--- a/Volatility Is Rough.pptx
+++ b/Volatility Is Rough.pptx
@@ -16,23 +16,24 @@
     <p:sldId id="292" r:id="rId10"/>
     <p:sldId id="293" r:id="rId11"/>
     <p:sldId id="294" r:id="rId12"/>
-    <p:sldId id="258" r:id="rId13"/>
-    <p:sldId id="281" r:id="rId14"/>
+    <p:sldId id="281" r:id="rId13"/>
+    <p:sldId id="296" r:id="rId14"/>
     <p:sldId id="265" r:id="rId15"/>
     <p:sldId id="286" r:id="rId16"/>
-    <p:sldId id="269" r:id="rId17"/>
-    <p:sldId id="271" r:id="rId18"/>
-    <p:sldId id="270" r:id="rId19"/>
-    <p:sldId id="278" r:id="rId20"/>
-    <p:sldId id="279" r:id="rId21"/>
-    <p:sldId id="272" r:id="rId22"/>
-    <p:sldId id="274" r:id="rId23"/>
-    <p:sldId id="275" r:id="rId24"/>
-    <p:sldId id="276" r:id="rId25"/>
-    <p:sldId id="282" r:id="rId26"/>
-    <p:sldId id="284" r:id="rId27"/>
-    <p:sldId id="283" r:id="rId28"/>
-    <p:sldId id="285" r:id="rId29"/>
+    <p:sldId id="258" r:id="rId17"/>
+    <p:sldId id="269" r:id="rId18"/>
+    <p:sldId id="271" r:id="rId19"/>
+    <p:sldId id="270" r:id="rId20"/>
+    <p:sldId id="278" r:id="rId21"/>
+    <p:sldId id="279" r:id="rId22"/>
+    <p:sldId id="272" r:id="rId23"/>
+    <p:sldId id="274" r:id="rId24"/>
+    <p:sldId id="275" r:id="rId25"/>
+    <p:sldId id="276" r:id="rId26"/>
+    <p:sldId id="282" r:id="rId27"/>
+    <p:sldId id="284" r:id="rId28"/>
+    <p:sldId id="283" r:id="rId29"/>
+    <p:sldId id="285" r:id="rId30"/>
   </p:sldIdLst>
   <p:sldSz cx="12192000" cy="6858000"/>
   <p:notesSz cx="6858000" cy="9144000"/>
@@ -155,10 +156,11 @@
             <p14:sldId id="292"/>
             <p14:sldId id="293"/>
             <p14:sldId id="294"/>
-            <p14:sldId id="258"/>
             <p14:sldId id="281"/>
+            <p14:sldId id="296"/>
             <p14:sldId id="265"/>
             <p14:sldId id="286"/>
+            <p14:sldId id="258"/>
             <p14:sldId id="269"/>
             <p14:sldId id="271"/>
             <p14:sldId id="270"/>
@@ -206,6 +208,7 @@
   </mc:AlternateContent>
   <c:chart>
     <c:title>
+      <c:layout/>
       <c:overlay val="0"/>
       <c:spPr>
         <a:noFill/>
@@ -361,6 +364,7 @@
               </a:p>
             </c:rich>
           </c:tx>
+          <c:layout/>
           <c:overlay val="0"/>
           <c:spPr>
             <a:noFill/>
@@ -487,6 +491,7 @@
               </a:p>
             </c:rich>
           </c:tx>
+          <c:layout/>
           <c:overlay val="0"/>
           <c:spPr>
             <a:noFill/>
@@ -6732,21 +6737,6 @@
               </a:p>
               <a:p>
                 <a:pPr lvl="1"/>
-                <a:r>
-                  <a:rPr lang="en-GB" dirty="0" smtClean="0"/>
-                  <a:t>So we also need to estimate </a:t>
-                </a:r>
-                <a:r>
-                  <a:rPr lang="en-GB" dirty="0"/>
-                  <a:t>m(2, ∆</a:t>
-                </a:r>
-                <a:r>
-                  <a:rPr lang="en-GB" dirty="0" smtClean="0"/>
-                  <a:t>)</a:t>
-                </a:r>
-              </a:p>
-              <a:p>
-                <a:pPr lvl="1"/>
                 <a:endParaRPr lang="en-GB" dirty="0"/>
               </a:p>
               <a:p>
@@ -6810,7 +6800,7 @@
         </p:blipFill>
         <p:spPr>
           <a:xfrm>
-            <a:off x="3225800" y="3819480"/>
+            <a:off x="3340099" y="3568635"/>
             <a:ext cx="4394200" cy="850736"/>
           </a:xfrm>
           <a:prstGeom prst="rect">
@@ -7156,8 +7146,136 @@
                 </a:r>
                 <a:r>
                   <a:rPr lang="en-GB" dirty="0"/>
-                  <a:t>moment of order q of the absolute value of a standard Gaussian variable.</a:t>
+                  <a:t>moment of order q of the absolute value of a standard Gaussian variable</a:t>
                 </a:r>
+                <a:r>
+                  <a:rPr lang="en-GB" dirty="0" smtClean="0"/>
+                  <a:t>.</a:t>
+                </a:r>
+              </a:p>
+              <a:p>
+                <a:pPr lvl="1"/>
+                <a14:m>
+                  <m:oMath xmlns:m="http://schemas.openxmlformats.org/officeDocument/2006/math">
+                    <m:r>
+                      <a:rPr lang="en-GB" b="0" i="1" smtClean="0">
+                        <a:latin typeface="Cambria Math" panose="02040503050406030204" pitchFamily="18" charset="0"/>
+                      </a:rPr>
+                      <m:t>𝑚</m:t>
+                    </m:r>
+                    <m:d>
+                      <m:dPr>
+                        <m:ctrlPr>
+                          <a:rPr lang="en-GB" b="0" i="1" smtClean="0">
+                            <a:latin typeface="Cambria Math" panose="02040503050406030204" pitchFamily="18" charset="0"/>
+                          </a:rPr>
+                        </m:ctrlPr>
+                      </m:dPr>
+                      <m:e>
+                        <m:r>
+                          <a:rPr lang="en-GB" b="0" i="1" smtClean="0">
+                            <a:latin typeface="Cambria Math" panose="02040503050406030204" pitchFamily="18" charset="0"/>
+                          </a:rPr>
+                          <m:t>𝑞</m:t>
+                        </m:r>
+                        <m:r>
+                          <a:rPr lang="en-GB" b="0" i="1" smtClean="0">
+                            <a:latin typeface="Cambria Math" panose="02040503050406030204" pitchFamily="18" charset="0"/>
+                          </a:rPr>
+                          <m:t>, ∆</m:t>
+                        </m:r>
+                      </m:e>
+                    </m:d>
+                    <m:r>
+                      <a:rPr lang="en-GB" b="0" i="1" smtClean="0">
+                        <a:latin typeface="Cambria Math" panose="02040503050406030204" pitchFamily="18" charset="0"/>
+                        <a:ea typeface="Cambria Math" panose="02040503050406030204" pitchFamily="18" charset="0"/>
+                      </a:rPr>
+                      <m:t>=</m:t>
+                    </m:r>
+                    <m:sSub>
+                      <m:sSubPr>
+                        <m:ctrlPr>
+                          <a:rPr lang="en-GB" b="0" i="1" smtClean="0">
+                            <a:latin typeface="Cambria Math" panose="02040503050406030204" pitchFamily="18" charset="0"/>
+                            <a:ea typeface="Cambria Math" panose="02040503050406030204" pitchFamily="18" charset="0"/>
+                          </a:rPr>
+                        </m:ctrlPr>
+                      </m:sSubPr>
+                      <m:e>
+                        <m:r>
+                          <a:rPr lang="en-GB" b="0" i="1" smtClean="0">
+                            <a:latin typeface="Cambria Math" panose="02040503050406030204" pitchFamily="18" charset="0"/>
+                            <a:ea typeface="Cambria Math" panose="02040503050406030204" pitchFamily="18" charset="0"/>
+                          </a:rPr>
+                          <m:t>𝐾</m:t>
+                        </m:r>
+                      </m:e>
+                      <m:sub>
+                        <m:r>
+                          <a:rPr lang="en-GB" b="0" i="1" smtClean="0">
+                            <a:latin typeface="Cambria Math" panose="02040503050406030204" pitchFamily="18" charset="0"/>
+                            <a:ea typeface="Cambria Math" panose="02040503050406030204" pitchFamily="18" charset="0"/>
+                          </a:rPr>
+                          <m:t>𝑞</m:t>
+                        </m:r>
+                      </m:sub>
+                    </m:sSub>
+                    <m:sSup>
+                      <m:sSupPr>
+                        <m:ctrlPr>
+                          <a:rPr lang="en-GB" b="0" i="1" smtClean="0">
+                            <a:latin typeface="Cambria Math" panose="02040503050406030204" pitchFamily="18" charset="0"/>
+                            <a:ea typeface="Cambria Math" panose="02040503050406030204" pitchFamily="18" charset="0"/>
+                          </a:rPr>
+                        </m:ctrlPr>
+                      </m:sSupPr>
+                      <m:e>
+                        <m:r>
+                          <a:rPr lang="en-GB" b="0" i="1" smtClean="0">
+                            <a:latin typeface="Cambria Math" panose="02040503050406030204" pitchFamily="18" charset="0"/>
+                            <a:ea typeface="Cambria Math" panose="02040503050406030204" pitchFamily="18" charset="0"/>
+                          </a:rPr>
+                          <m:t>∆</m:t>
+                        </m:r>
+                      </m:e>
+                      <m:sup>
+                        <m:sSub>
+                          <m:sSubPr>
+                            <m:ctrlPr>
+                              <a:rPr lang="en-GB" b="0" i="1" smtClean="0">
+                                <a:latin typeface="Cambria Math" panose="02040503050406030204" pitchFamily="18" charset="0"/>
+                                <a:ea typeface="Cambria Math" panose="02040503050406030204" pitchFamily="18" charset="0"/>
+                              </a:rPr>
+                            </m:ctrlPr>
+                          </m:sSubPr>
+                          <m:e>
+                            <m:r>
+                              <m:rPr>
+                                <m:sty m:val="p"/>
+                              </m:rPr>
+                              <a:rPr lang="el-GR" b="0" i="1" smtClean="0">
+                                <a:latin typeface="Cambria Math" panose="02040503050406030204" pitchFamily="18" charset="0"/>
+                                <a:ea typeface="Cambria Math" panose="02040503050406030204" pitchFamily="18" charset="0"/>
+                              </a:rPr>
+                              <m:t>ζ</m:t>
+                            </m:r>
+                          </m:e>
+                          <m:sub>
+                            <m:r>
+                              <a:rPr lang="en-GB" b="0" i="1" smtClean="0">
+                                <a:latin typeface="Cambria Math" panose="02040503050406030204" pitchFamily="18" charset="0"/>
+                                <a:ea typeface="Cambria Math" panose="02040503050406030204" pitchFamily="18" charset="0"/>
+                              </a:rPr>
+                              <m:t>𝑞</m:t>
+                            </m:r>
+                          </m:sub>
+                        </m:sSub>
+                      </m:sup>
+                    </m:sSup>
+                  </m:oMath>
+                </a14:m>
+                <a:endParaRPr lang="en-GB" dirty="0"/>
               </a:p>
             </p:txBody>
           </p:sp>
@@ -7275,7 +7393,7 @@
           <a:lstStyle/>
           <a:p>
             <a:r>
-              <a:rPr lang="en-GB" smtClean="0"/>
+              <a:rPr lang="en-GB" dirty="0" smtClean="0"/>
               <a:t>Magic?</a:t>
             </a:r>
             <a:endParaRPr lang="en-GB" dirty="0"/>
@@ -7296,6 +7414,2152 @@
 </file>
 
 <file path=ppt/slides/slide12.xml><?xml version="1.0" encoding="utf-8"?>
+<p:sld xmlns:a="http://schemas.openxmlformats.org/drawingml/2006/main" xmlns:r="http://schemas.openxmlformats.org/officeDocument/2006/relationships" xmlns:p="http://schemas.openxmlformats.org/presentationml/2006/main">
+  <p:cSld>
+    <p:spTree>
+      <p:nvGrpSpPr>
+        <p:cNvPr id="1" name=""/>
+        <p:cNvGrpSpPr/>
+        <p:nvPr/>
+      </p:nvGrpSpPr>
+      <p:grpSpPr>
+        <a:xfrm>
+          <a:off x="0" y="0"/>
+          <a:ext cx="0" cy="0"/>
+          <a:chOff x="0" y="0"/>
+          <a:chExt cx="0" cy="0"/>
+        </a:xfrm>
+      </p:grpSpPr>
+      <mc:AlternateContent xmlns:mc="http://schemas.openxmlformats.org/markup-compatibility/2006">
+        <mc:Choice xmlns:a14="http://schemas.microsoft.com/office/drawing/2010/main" Requires="a14">
+          <p:sp>
+            <p:nvSpPr>
+              <p:cNvPr id="2" name="Title 1"/>
+              <p:cNvSpPr>
+                <a:spLocks noGrp="1"/>
+              </p:cNvSpPr>
+              <p:nvPr>
+                <p:ph type="title"/>
+              </p:nvPr>
+            </p:nvSpPr>
+            <p:spPr/>
+            <p:txBody>
+              <a:bodyPr/>
+              <a:lstStyle/>
+              <a:p>
+                <a:r>
+                  <a:rPr lang="en-GB" dirty="0" smtClean="0"/>
+                  <a:t>Results - </a:t>
+                </a:r>
+                <a14:m>
+                  <m:oMath xmlns:m="http://schemas.openxmlformats.org/officeDocument/2006/math">
+                    <m:r>
+                      <a:rPr lang="en-GB" b="0" i="1" smtClean="0">
+                        <a:latin typeface="Cambria Math" panose="02040503050406030204" pitchFamily="18" charset="0"/>
+                      </a:rPr>
+                      <m:t>𝑣</m:t>
+                    </m:r>
+                    <m:r>
+                      <a:rPr lang="en-GB" b="0" i="1" baseline="30000" smtClean="0">
+                        <a:latin typeface="Cambria Math" panose="02040503050406030204" pitchFamily="18" charset="0"/>
+                      </a:rPr>
+                      <m:t>2</m:t>
+                    </m:r>
+                  </m:oMath>
+                </a14:m>
+                <a:endParaRPr lang="en-GB" baseline="30000" dirty="0"/>
+              </a:p>
+            </p:txBody>
+          </p:sp>
+        </mc:Choice>
+        <mc:Fallback>
+          <p:sp>
+            <p:nvSpPr>
+              <p:cNvPr id="2" name="Title 1"/>
+              <p:cNvSpPr>
+                <a:spLocks noGrp="1" noRot="1" noChangeAspect="1" noMove="1" noResize="1" noEditPoints="1" noAdjustHandles="1" noChangeArrowheads="1" noChangeShapeType="1" noTextEdit="1"/>
+              </p:cNvSpPr>
+              <p:nvPr>
+                <p:ph type="title"/>
+              </p:nvPr>
+            </p:nvSpPr>
+            <p:spPr>
+              <a:blipFill rotWithShape="0">
+                <a:blip r:embed="rId2"/>
+                <a:stretch>
+                  <a:fillRect l="-3009"/>
+                </a:stretch>
+              </a:blipFill>
+            </p:spPr>
+            <p:txBody>
+              <a:bodyPr/>
+              <a:lstStyle/>
+              <a:p>
+                <a:r>
+                  <a:rPr lang="en-GB">
+                    <a:noFill/>
+                  </a:rPr>
+                  <a:t> </a:t>
+                </a:r>
+              </a:p>
+            </p:txBody>
+          </p:sp>
+        </mc:Fallback>
+      </mc:AlternateContent>
+      <p:pic>
+        <p:nvPicPr>
+          <p:cNvPr id="3" name="Picture 2"/>
+          <p:cNvPicPr>
+            <a:picLocks noChangeAspect="1"/>
+          </p:cNvPicPr>
+          <p:nvPr/>
+        </p:nvPicPr>
+        <p:blipFill>
+          <a:blip r:embed="rId3"/>
+          <a:stretch>
+            <a:fillRect/>
+          </a:stretch>
+        </p:blipFill>
+        <p:spPr>
+          <a:xfrm>
+            <a:off x="3013962" y="2084832"/>
+            <a:ext cx="5740402" cy="4438932"/>
+          </a:xfrm>
+          <a:prstGeom prst="rect">
+            <a:avLst/>
+          </a:prstGeom>
+        </p:spPr>
+      </p:pic>
+      <p:sp>
+        <p:nvSpPr>
+          <p:cNvPr id="6" name="Oval 5"/>
+          <p:cNvSpPr/>
+          <p:nvPr/>
+        </p:nvSpPr>
+        <p:spPr>
+          <a:xfrm>
+            <a:off x="3624172" y="4374572"/>
+            <a:ext cx="297819" cy="460087"/>
+          </a:xfrm>
+          <a:prstGeom prst="ellipse">
+            <a:avLst/>
+          </a:prstGeom>
+          <a:noFill/>
+          <a:ln>
+            <a:solidFill>
+              <a:srgbClr val="FF0000"/>
+            </a:solidFill>
+          </a:ln>
+        </p:spPr>
+        <p:style>
+          <a:lnRef idx="2">
+            <a:schemeClr val="accent1">
+              <a:shade val="50000"/>
+            </a:schemeClr>
+          </a:lnRef>
+          <a:fillRef idx="1">
+            <a:schemeClr val="accent1"/>
+          </a:fillRef>
+          <a:effectRef idx="0">
+            <a:schemeClr val="accent1"/>
+          </a:effectRef>
+          <a:fontRef idx="minor">
+            <a:schemeClr val="lt1"/>
+          </a:fontRef>
+        </p:style>
+        <p:txBody>
+          <a:bodyPr rtlCol="0" anchor="ctr"/>
+          <a:lstStyle/>
+          <a:p>
+            <a:pPr algn="ctr"/>
+            <a:endParaRPr lang="en-GB"/>
+          </a:p>
+        </p:txBody>
+      </p:sp>
+      <p:cxnSp>
+        <p:nvCxnSpPr>
+          <p:cNvPr id="7" name="Straight Arrow Connector 6"/>
+          <p:cNvCxnSpPr>
+            <a:stCxn id="10" idx="3"/>
+            <a:endCxn id="6" idx="2"/>
+          </p:cNvCxnSpPr>
+          <p:nvPr/>
+        </p:nvCxnSpPr>
+        <p:spPr>
+          <a:xfrm>
+            <a:off x="2558244" y="4454106"/>
+            <a:ext cx="1065928" cy="150510"/>
+          </a:xfrm>
+          <a:prstGeom prst="straightConnector1">
+            <a:avLst/>
+          </a:prstGeom>
+          <a:ln w="19050">
+            <a:solidFill>
+              <a:srgbClr val="FF0000"/>
+            </a:solidFill>
+            <a:tailEnd type="triangle"/>
+          </a:ln>
+        </p:spPr>
+        <p:style>
+          <a:lnRef idx="1">
+            <a:schemeClr val="accent1"/>
+          </a:lnRef>
+          <a:fillRef idx="0">
+            <a:schemeClr val="accent1"/>
+          </a:fillRef>
+          <a:effectRef idx="0">
+            <a:schemeClr val="accent1"/>
+          </a:effectRef>
+          <a:fontRef idx="minor">
+            <a:schemeClr val="tx1"/>
+          </a:fontRef>
+        </p:style>
+      </p:cxnSp>
+      <mc:AlternateContent xmlns:mc="http://schemas.openxmlformats.org/markup-compatibility/2006">
+        <mc:Choice xmlns:a14="http://schemas.microsoft.com/office/drawing/2010/main" Requires="a14">
+          <p:sp>
+            <p:nvSpPr>
+              <p:cNvPr id="10" name="Rectangle 9"/>
+              <p:cNvSpPr/>
+              <p:nvPr/>
+            </p:nvSpPr>
+            <p:spPr>
+              <a:xfrm>
+                <a:off x="1015815" y="4130940"/>
+                <a:ext cx="1542429" cy="646331"/>
+              </a:xfrm>
+              <a:prstGeom prst="rect">
+                <a:avLst/>
+              </a:prstGeom>
+            </p:spPr>
+            <p:txBody>
+              <a:bodyPr wrap="square">
+                <a:spAutoFit/>
+              </a:bodyPr>
+              <a:lstStyle/>
+              <a:p>
+                <a:r>
+                  <a:rPr lang="en-GB" dirty="0" smtClean="0"/>
+                  <a:t>This is our estimate of </a:t>
+                </a:r>
+                <a14:m>
+                  <m:oMath xmlns:m="http://schemas.openxmlformats.org/officeDocument/2006/math">
+                    <m:sSup>
+                      <m:sSupPr>
+                        <m:ctrlPr>
+                          <a:rPr lang="en-GB" i="1">
+                            <a:latin typeface="Cambria Math" panose="02040503050406030204" pitchFamily="18" charset="0"/>
+                          </a:rPr>
+                        </m:ctrlPr>
+                      </m:sSupPr>
+                      <m:e>
+                        <m:r>
+                          <a:rPr lang="en-GB" i="1">
+                            <a:latin typeface="Cambria Math" panose="02040503050406030204" pitchFamily="18" charset="0"/>
+                          </a:rPr>
+                          <m:t>𝑣</m:t>
+                        </m:r>
+                      </m:e>
+                      <m:sup>
+                        <m:r>
+                          <a:rPr lang="en-GB" i="1">
+                            <a:latin typeface="Cambria Math" panose="02040503050406030204" pitchFamily="18" charset="0"/>
+                          </a:rPr>
+                          <m:t>2</m:t>
+                        </m:r>
+                      </m:sup>
+                    </m:sSup>
+                  </m:oMath>
+                </a14:m>
+                <a:endParaRPr lang="en-GB" dirty="0" smtClean="0"/>
+              </a:p>
+            </p:txBody>
+          </p:sp>
+        </mc:Choice>
+        <mc:Fallback>
+          <p:sp>
+            <p:nvSpPr>
+              <p:cNvPr id="10" name="Rectangle 9"/>
+              <p:cNvSpPr>
+                <a:spLocks noRot="1" noChangeAspect="1" noMove="1" noResize="1" noEditPoints="1" noAdjustHandles="1" noChangeArrowheads="1" noChangeShapeType="1" noTextEdit="1"/>
+              </p:cNvSpPr>
+              <p:nvPr/>
+            </p:nvSpPr>
+            <p:spPr>
+              <a:xfrm>
+                <a:off x="1015815" y="4130940"/>
+                <a:ext cx="1542429" cy="646331"/>
+              </a:xfrm>
+              <a:prstGeom prst="rect">
+                <a:avLst/>
+              </a:prstGeom>
+              <a:blipFill rotWithShape="0">
+                <a:blip r:embed="rId4"/>
+                <a:stretch>
+                  <a:fillRect l="-3557" t="-5660" b="-15094"/>
+                </a:stretch>
+              </a:blipFill>
+            </p:spPr>
+            <p:txBody>
+              <a:bodyPr/>
+              <a:lstStyle/>
+              <a:p>
+                <a:r>
+                  <a:rPr lang="en-GB">
+                    <a:noFill/>
+                  </a:rPr>
+                  <a:t> </a:t>
+                </a:r>
+              </a:p>
+            </p:txBody>
+          </p:sp>
+        </mc:Fallback>
+      </mc:AlternateContent>
+    </p:spTree>
+    <p:extLst>
+      <p:ext uri="{BB962C8B-B14F-4D97-AF65-F5344CB8AC3E}">
+        <p14:creationId xmlns:p14="http://schemas.microsoft.com/office/powerpoint/2010/main" val="2151026231"/>
+      </p:ext>
+    </p:extLst>
+  </p:cSld>
+  <p:clrMapOvr>
+    <a:masterClrMapping/>
+  </p:clrMapOvr>
+  <p:timing>
+    <p:tnLst>
+      <p:par>
+        <p:cTn id="1" dur="indefinite" restart="never" nodeType="tmRoot"/>
+      </p:par>
+    </p:tnLst>
+  </p:timing>
+</p:sld>
+</file>
+
+<file path=ppt/slides/slide13.xml><?xml version="1.0" encoding="utf-8"?>
+<p:sld xmlns:a="http://schemas.openxmlformats.org/drawingml/2006/main" xmlns:r="http://schemas.openxmlformats.org/officeDocument/2006/relationships" xmlns:p="http://schemas.openxmlformats.org/presentationml/2006/main">
+  <p:cSld>
+    <p:spTree>
+      <p:nvGrpSpPr>
+        <p:cNvPr id="1" name=""/>
+        <p:cNvGrpSpPr/>
+        <p:nvPr/>
+      </p:nvGrpSpPr>
+      <p:grpSpPr>
+        <a:xfrm>
+          <a:off x="0" y="0"/>
+          <a:ext cx="0" cy="0"/>
+          <a:chOff x="0" y="0"/>
+          <a:chExt cx="0" cy="0"/>
+        </a:xfrm>
+      </p:grpSpPr>
+      <p:pic>
+        <p:nvPicPr>
+          <p:cNvPr id="4" name="Picture 3"/>
+          <p:cNvPicPr>
+            <a:picLocks noChangeAspect="1"/>
+          </p:cNvPicPr>
+          <p:nvPr/>
+        </p:nvPicPr>
+        <p:blipFill>
+          <a:blip r:embed="rId2"/>
+          <a:stretch>
+            <a:fillRect/>
+          </a:stretch>
+        </p:blipFill>
+        <p:spPr>
+          <a:xfrm>
+            <a:off x="3407664" y="1792552"/>
+            <a:ext cx="4953000" cy="4676775"/>
+          </a:xfrm>
+          <a:prstGeom prst="rect">
+            <a:avLst/>
+          </a:prstGeom>
+        </p:spPr>
+      </p:pic>
+      <mc:AlternateContent xmlns:mc="http://schemas.openxmlformats.org/markup-compatibility/2006">
+        <mc:Choice xmlns:a14="http://schemas.microsoft.com/office/drawing/2010/main" Requires="a14">
+          <p:sp>
+            <p:nvSpPr>
+              <p:cNvPr id="2" name="Title 1"/>
+              <p:cNvSpPr>
+                <a:spLocks noGrp="1"/>
+              </p:cNvSpPr>
+              <p:nvPr>
+                <p:ph type="title"/>
+              </p:nvPr>
+            </p:nvSpPr>
+            <p:spPr/>
+            <p:txBody>
+              <a:bodyPr/>
+              <a:lstStyle/>
+              <a:p>
+                <a:r>
+                  <a:rPr lang="en-GB" dirty="0" smtClean="0"/>
+                  <a:t>Results - </a:t>
+                </a:r>
+                <a14:m>
+                  <m:oMath xmlns:m="http://schemas.openxmlformats.org/officeDocument/2006/math">
+                    <m:r>
+                      <a:rPr lang="en-GB" b="0" i="1" smtClean="0">
+                        <a:latin typeface="Cambria Math" panose="02040503050406030204" pitchFamily="18" charset="0"/>
+                      </a:rPr>
+                      <m:t>𝐻</m:t>
+                    </m:r>
+                  </m:oMath>
+                </a14:m>
+                <a:endParaRPr lang="en-GB" dirty="0"/>
+              </a:p>
+            </p:txBody>
+          </p:sp>
+        </mc:Choice>
+        <mc:Fallback>
+          <p:sp>
+            <p:nvSpPr>
+              <p:cNvPr id="2" name="Title 1"/>
+              <p:cNvSpPr>
+                <a:spLocks noGrp="1" noRot="1" noChangeAspect="1" noMove="1" noResize="1" noEditPoints="1" noAdjustHandles="1" noChangeArrowheads="1" noChangeShapeType="1" noTextEdit="1"/>
+              </p:cNvSpPr>
+              <p:nvPr>
+                <p:ph type="title"/>
+              </p:nvPr>
+            </p:nvSpPr>
+            <p:spPr>
+              <a:blipFill rotWithShape="0">
+                <a:blip r:embed="rId3"/>
+                <a:stretch>
+                  <a:fillRect l="-3009"/>
+                </a:stretch>
+              </a:blipFill>
+            </p:spPr>
+            <p:txBody>
+              <a:bodyPr/>
+              <a:lstStyle/>
+              <a:p>
+                <a:r>
+                  <a:rPr lang="en-GB">
+                    <a:noFill/>
+                  </a:rPr>
+                  <a:t> </a:t>
+                </a:r>
+              </a:p>
+            </p:txBody>
+          </p:sp>
+        </mc:Fallback>
+      </mc:AlternateContent>
+      <p:sp>
+        <p:nvSpPr>
+          <p:cNvPr id="6" name="Oval 5"/>
+          <p:cNvSpPr/>
+          <p:nvPr/>
+        </p:nvSpPr>
+        <p:spPr>
+          <a:xfrm>
+            <a:off x="3601102" y="3816992"/>
+            <a:ext cx="297819" cy="460087"/>
+          </a:xfrm>
+          <a:prstGeom prst="ellipse">
+            <a:avLst/>
+          </a:prstGeom>
+          <a:noFill/>
+          <a:ln>
+            <a:solidFill>
+              <a:srgbClr val="FF0000"/>
+            </a:solidFill>
+          </a:ln>
+        </p:spPr>
+        <p:style>
+          <a:lnRef idx="2">
+            <a:schemeClr val="accent1">
+              <a:shade val="50000"/>
+            </a:schemeClr>
+          </a:lnRef>
+          <a:fillRef idx="1">
+            <a:schemeClr val="accent1"/>
+          </a:fillRef>
+          <a:effectRef idx="0">
+            <a:schemeClr val="accent1"/>
+          </a:effectRef>
+          <a:fontRef idx="minor">
+            <a:schemeClr val="lt1"/>
+          </a:fontRef>
+        </p:style>
+        <p:txBody>
+          <a:bodyPr rtlCol="0" anchor="ctr"/>
+          <a:lstStyle/>
+          <a:p>
+            <a:pPr algn="ctr"/>
+            <a:endParaRPr lang="en-GB"/>
+          </a:p>
+        </p:txBody>
+      </p:sp>
+      <p:cxnSp>
+        <p:nvCxnSpPr>
+          <p:cNvPr id="7" name="Straight Arrow Connector 6"/>
+          <p:cNvCxnSpPr>
+            <a:stCxn id="10" idx="3"/>
+            <a:endCxn id="6" idx="2"/>
+          </p:cNvCxnSpPr>
+          <p:nvPr/>
+        </p:nvCxnSpPr>
+        <p:spPr>
+          <a:xfrm flipV="1">
+            <a:off x="2558244" y="4047036"/>
+            <a:ext cx="1042858" cy="362121"/>
+          </a:xfrm>
+          <a:prstGeom prst="straightConnector1">
+            <a:avLst/>
+          </a:prstGeom>
+          <a:ln w="19050">
+            <a:solidFill>
+              <a:srgbClr val="FF0000"/>
+            </a:solidFill>
+            <a:tailEnd type="triangle"/>
+          </a:ln>
+        </p:spPr>
+        <p:style>
+          <a:lnRef idx="1">
+            <a:schemeClr val="accent1"/>
+          </a:lnRef>
+          <a:fillRef idx="0">
+            <a:schemeClr val="accent1"/>
+          </a:fillRef>
+          <a:effectRef idx="0">
+            <a:schemeClr val="accent1"/>
+          </a:effectRef>
+          <a:fontRef idx="minor">
+            <a:schemeClr val="tx1"/>
+          </a:fontRef>
+        </p:style>
+      </p:cxnSp>
+      <mc:AlternateContent xmlns:mc="http://schemas.openxmlformats.org/markup-compatibility/2006">
+        <mc:Choice xmlns:a14="http://schemas.microsoft.com/office/drawing/2010/main" Requires="a14">
+          <p:sp>
+            <p:nvSpPr>
+              <p:cNvPr id="10" name="Rectangle 9"/>
+              <p:cNvSpPr/>
+              <p:nvPr/>
+            </p:nvSpPr>
+            <p:spPr>
+              <a:xfrm>
+                <a:off x="2182091" y="4130940"/>
+                <a:ext cx="376153" cy="556434"/>
+              </a:xfrm>
+              <a:prstGeom prst="rect">
+                <a:avLst/>
+              </a:prstGeom>
+            </p:spPr>
+            <p:txBody>
+              <a:bodyPr wrap="square">
+                <a:spAutoFit/>
+              </a:bodyPr>
+              <a:lstStyle/>
+              <a:p>
+                <a14:m>
+                  <m:oMathPara xmlns:m="http://schemas.openxmlformats.org/officeDocument/2006/math">
+                    <m:oMathParaPr>
+                      <m:jc m:val="centerGroup"/>
+                    </m:oMathParaPr>
+                    <m:oMath xmlns:m="http://schemas.openxmlformats.org/officeDocument/2006/math">
+                      <m:sSub>
+                        <m:sSubPr>
+                          <m:ctrlPr>
+                            <a:rPr lang="el-GR" sz="2800" i="1" smtClean="0">
+                              <a:latin typeface="Cambria Math" panose="02040503050406030204" pitchFamily="18" charset="0"/>
+                              <a:ea typeface="Cambria Math" panose="02040503050406030204" pitchFamily="18" charset="0"/>
+                            </a:rPr>
+                          </m:ctrlPr>
+                        </m:sSubPr>
+                        <m:e>
+                          <m:r>
+                            <m:rPr>
+                              <m:sty m:val="p"/>
+                            </m:rPr>
+                            <a:rPr lang="el-GR" sz="2800" i="1">
+                              <a:latin typeface="Cambria Math" panose="02040503050406030204" pitchFamily="18" charset="0"/>
+                              <a:ea typeface="Cambria Math" panose="02040503050406030204" pitchFamily="18" charset="0"/>
+                            </a:rPr>
+                            <m:t>ζ</m:t>
+                          </m:r>
+                        </m:e>
+                        <m:sub>
+                          <m:r>
+                            <a:rPr lang="en-GB" sz="2800" b="0" i="1" smtClean="0">
+                              <a:latin typeface="Cambria Math" panose="02040503050406030204" pitchFamily="18" charset="0"/>
+                              <a:ea typeface="Cambria Math" panose="02040503050406030204" pitchFamily="18" charset="0"/>
+                            </a:rPr>
+                            <m:t>𝑞</m:t>
+                          </m:r>
+                        </m:sub>
+                      </m:sSub>
+                    </m:oMath>
+                  </m:oMathPara>
+                </a14:m>
+                <a:endParaRPr lang="en-GB" sz="2800" dirty="0" smtClean="0"/>
+              </a:p>
+            </p:txBody>
+          </p:sp>
+        </mc:Choice>
+        <mc:Fallback>
+          <p:sp>
+            <p:nvSpPr>
+              <p:cNvPr id="10" name="Rectangle 9"/>
+              <p:cNvSpPr>
+                <a:spLocks noRot="1" noChangeAspect="1" noMove="1" noResize="1" noEditPoints="1" noAdjustHandles="1" noChangeArrowheads="1" noChangeShapeType="1" noTextEdit="1"/>
+              </p:cNvSpPr>
+              <p:nvPr/>
+            </p:nvSpPr>
+            <p:spPr>
+              <a:xfrm>
+                <a:off x="2182091" y="4130940"/>
+                <a:ext cx="376153" cy="556434"/>
+              </a:xfrm>
+              <a:prstGeom prst="rect">
+                <a:avLst/>
+              </a:prstGeom>
+              <a:blipFill rotWithShape="0">
+                <a:blip r:embed="rId4"/>
+                <a:stretch>
+                  <a:fillRect/>
+                </a:stretch>
+              </a:blipFill>
+            </p:spPr>
+            <p:txBody>
+              <a:bodyPr/>
+              <a:lstStyle/>
+              <a:p>
+                <a:r>
+                  <a:rPr lang="en-GB">
+                    <a:noFill/>
+                  </a:rPr>
+                  <a:t> </a:t>
+                </a:r>
+              </a:p>
+            </p:txBody>
+          </p:sp>
+        </mc:Fallback>
+      </mc:AlternateContent>
+      <p:cxnSp>
+        <p:nvCxnSpPr>
+          <p:cNvPr id="12" name="Straight Arrow Connector 11"/>
+          <p:cNvCxnSpPr>
+            <a:stCxn id="16" idx="3"/>
+          </p:cNvCxnSpPr>
+          <p:nvPr/>
+        </p:nvCxnSpPr>
+        <p:spPr>
+          <a:xfrm flipV="1">
+            <a:off x="6190532" y="2745765"/>
+            <a:ext cx="1241352" cy="112783"/>
+          </a:xfrm>
+          <a:prstGeom prst="straightConnector1">
+            <a:avLst/>
+          </a:prstGeom>
+          <a:ln w="19050">
+            <a:solidFill>
+              <a:srgbClr val="FF0000"/>
+            </a:solidFill>
+            <a:tailEnd type="triangle"/>
+          </a:ln>
+        </p:spPr>
+        <p:style>
+          <a:lnRef idx="1">
+            <a:schemeClr val="accent1"/>
+          </a:lnRef>
+          <a:fillRef idx="0">
+            <a:schemeClr val="accent1"/>
+          </a:fillRef>
+          <a:effectRef idx="0">
+            <a:schemeClr val="accent1"/>
+          </a:effectRef>
+          <a:fontRef idx="minor">
+            <a:schemeClr val="tx1"/>
+          </a:fontRef>
+        </p:style>
+      </p:cxnSp>
+      <p:cxnSp>
+        <p:nvCxnSpPr>
+          <p:cNvPr id="13" name="Straight Arrow Connector 12"/>
+          <p:cNvCxnSpPr/>
+          <p:nvPr/>
+        </p:nvCxnSpPr>
+        <p:spPr>
+          <a:xfrm flipH="1" flipV="1">
+            <a:off x="7563502" y="2930048"/>
+            <a:ext cx="1299943" cy="177837"/>
+          </a:xfrm>
+          <a:prstGeom prst="straightConnector1">
+            <a:avLst/>
+          </a:prstGeom>
+          <a:ln w="19050">
+            <a:solidFill>
+              <a:srgbClr val="FF0000"/>
+            </a:solidFill>
+            <a:tailEnd type="triangle"/>
+          </a:ln>
+        </p:spPr>
+        <p:style>
+          <a:lnRef idx="1">
+            <a:schemeClr val="accent1"/>
+          </a:lnRef>
+          <a:fillRef idx="0">
+            <a:schemeClr val="accent1"/>
+          </a:fillRef>
+          <a:effectRef idx="0">
+            <a:schemeClr val="accent1"/>
+          </a:effectRef>
+          <a:fontRef idx="minor">
+            <a:schemeClr val="tx1"/>
+          </a:fontRef>
+        </p:style>
+      </p:cxnSp>
+      <p:sp>
+        <p:nvSpPr>
+          <p:cNvPr id="15" name="TextBox 14"/>
+          <p:cNvSpPr txBox="1"/>
+          <p:nvPr/>
+        </p:nvSpPr>
+        <p:spPr>
+          <a:xfrm>
+            <a:off x="8863445" y="2943813"/>
+            <a:ext cx="934871" cy="369332"/>
+          </a:xfrm>
+          <a:prstGeom prst="rect">
+            <a:avLst/>
+          </a:prstGeom>
+          <a:noFill/>
+        </p:spPr>
+        <p:txBody>
+          <a:bodyPr wrap="none" rtlCol="0">
+            <a:spAutoFit/>
+          </a:bodyPr>
+          <a:lstStyle/>
+          <a:p>
+            <a:r>
+              <a:rPr lang="en-GB" dirty="0" smtClean="0"/>
+              <a:t>Estimate</a:t>
+            </a:r>
+            <a:endParaRPr lang="en-GB" dirty="0"/>
+          </a:p>
+        </p:txBody>
+      </p:sp>
+      <mc:AlternateContent xmlns:mc="http://schemas.openxmlformats.org/markup-compatibility/2006">
+        <mc:Choice xmlns:a14="http://schemas.microsoft.com/office/drawing/2010/main" Requires="a14">
+          <p:sp>
+            <p:nvSpPr>
+              <p:cNvPr id="16" name="TextBox 15"/>
+              <p:cNvSpPr txBox="1"/>
+              <p:nvPr/>
+            </p:nvSpPr>
+            <p:spPr>
+              <a:xfrm>
+                <a:off x="4946073" y="2535382"/>
+                <a:ext cx="1244459" cy="646331"/>
+              </a:xfrm>
+              <a:prstGeom prst="rect">
+                <a:avLst/>
+              </a:prstGeom>
+              <a:noFill/>
+            </p:spPr>
+            <p:txBody>
+              <a:bodyPr wrap="square" rtlCol="0">
+                <a:spAutoFit/>
+              </a:bodyPr>
+              <a:lstStyle/>
+              <a:p>
+                <a:r>
+                  <a:rPr lang="en-GB" dirty="0" smtClean="0"/>
+                  <a:t>Best Fit – slope = </a:t>
+                </a:r>
+                <a14:m>
+                  <m:oMath xmlns:m="http://schemas.openxmlformats.org/officeDocument/2006/math">
+                    <m:r>
+                      <a:rPr lang="en-GB" i="1" dirty="0" smtClean="0">
+                        <a:latin typeface="Cambria Math" panose="02040503050406030204" pitchFamily="18" charset="0"/>
+                      </a:rPr>
+                      <m:t>𝐻</m:t>
+                    </m:r>
+                  </m:oMath>
+                </a14:m>
+                <a:endParaRPr lang="en-GB" dirty="0"/>
+              </a:p>
+            </p:txBody>
+          </p:sp>
+        </mc:Choice>
+        <mc:Fallback>
+          <p:sp>
+            <p:nvSpPr>
+              <p:cNvPr id="16" name="TextBox 15"/>
+              <p:cNvSpPr txBox="1">
+                <a:spLocks noRot="1" noChangeAspect="1" noMove="1" noResize="1" noEditPoints="1" noAdjustHandles="1" noChangeArrowheads="1" noChangeShapeType="1" noTextEdit="1"/>
+              </p:cNvSpPr>
+              <p:nvPr/>
+            </p:nvSpPr>
+            <p:spPr>
+              <a:xfrm>
+                <a:off x="4946073" y="2535382"/>
+                <a:ext cx="1244459" cy="646331"/>
+              </a:xfrm>
+              <a:prstGeom prst="rect">
+                <a:avLst/>
+              </a:prstGeom>
+              <a:blipFill rotWithShape="0">
+                <a:blip r:embed="rId5"/>
+                <a:stretch>
+                  <a:fillRect l="-3902" t="-5660" b="-14151"/>
+                </a:stretch>
+              </a:blipFill>
+            </p:spPr>
+            <p:txBody>
+              <a:bodyPr/>
+              <a:lstStyle/>
+              <a:p>
+                <a:r>
+                  <a:rPr lang="en-GB">
+                    <a:noFill/>
+                  </a:rPr>
+                  <a:t> </a:t>
+                </a:r>
+              </a:p>
+            </p:txBody>
+          </p:sp>
+        </mc:Fallback>
+      </mc:AlternateContent>
+    </p:spTree>
+    <p:extLst>
+      <p:ext uri="{BB962C8B-B14F-4D97-AF65-F5344CB8AC3E}">
+        <p14:creationId xmlns:p14="http://schemas.microsoft.com/office/powerpoint/2010/main" val="1024832981"/>
+      </p:ext>
+    </p:extLst>
+  </p:cSld>
+  <p:clrMapOvr>
+    <a:masterClrMapping/>
+  </p:clrMapOvr>
+  <p:timing>
+    <p:tnLst>
+      <p:par>
+        <p:cTn id="1" dur="indefinite" restart="never" nodeType="tmRoot"/>
+      </p:par>
+    </p:tnLst>
+  </p:timing>
+</p:sld>
+</file>
+
+<file path=ppt/slides/slide14.xml><?xml version="1.0" encoding="utf-8"?>
+<p:sld xmlns:a="http://schemas.openxmlformats.org/drawingml/2006/main" xmlns:r="http://schemas.openxmlformats.org/officeDocument/2006/relationships" xmlns:p="http://schemas.openxmlformats.org/presentationml/2006/main">
+  <p:cSld>
+    <p:spTree>
+      <p:nvGrpSpPr>
+        <p:cNvPr id="1" name=""/>
+        <p:cNvGrpSpPr/>
+        <p:nvPr/>
+      </p:nvGrpSpPr>
+      <p:grpSpPr>
+        <a:xfrm>
+          <a:off x="0" y="0"/>
+          <a:ext cx="0" cy="0"/>
+          <a:chOff x="0" y="0"/>
+          <a:chExt cx="0" cy="0"/>
+        </a:xfrm>
+      </p:grpSpPr>
+      <p:sp>
+        <p:nvSpPr>
+          <p:cNvPr id="2" name="Title 1"/>
+          <p:cNvSpPr>
+            <a:spLocks noGrp="1"/>
+          </p:cNvSpPr>
+          <p:nvPr>
+            <p:ph type="title"/>
+          </p:nvPr>
+        </p:nvSpPr>
+        <p:spPr/>
+        <p:txBody>
+          <a:bodyPr/>
+          <a:lstStyle/>
+          <a:p>
+            <a:r>
+              <a:rPr lang="en-GB" dirty="0" smtClean="0"/>
+              <a:t>How it works</a:t>
+            </a:r>
+            <a:endParaRPr lang="en-GB" dirty="0"/>
+          </a:p>
+        </p:txBody>
+      </p:sp>
+      <p:sp>
+        <p:nvSpPr>
+          <p:cNvPr id="3" name="Content Placeholder 2"/>
+          <p:cNvSpPr>
+            <a:spLocks noGrp="1"/>
+          </p:cNvSpPr>
+          <p:nvPr>
+            <p:ph idx="1"/>
+          </p:nvPr>
+        </p:nvSpPr>
+        <p:spPr/>
+        <p:txBody>
+          <a:bodyPr/>
+          <a:lstStyle/>
+          <a:p>
+            <a:endParaRPr lang="en-GB" dirty="0"/>
+          </a:p>
+        </p:txBody>
+      </p:sp>
+      <p:graphicFrame>
+        <p:nvGraphicFramePr>
+          <p:cNvPr id="4" name="Chart 3"/>
+          <p:cNvGraphicFramePr>
+            <a:graphicFrameLocks/>
+          </p:cNvGraphicFramePr>
+          <p:nvPr>
+            <p:extLst>
+              <p:ext uri="{D42A27DB-BD31-4B8C-83A1-F6EECF244321}">
+                <p14:modId xmlns:p14="http://schemas.microsoft.com/office/powerpoint/2010/main" val="3609012181"/>
+              </p:ext>
+            </p:extLst>
+          </p:nvPr>
+        </p:nvGraphicFramePr>
+        <p:xfrm>
+          <a:off x="3529445" y="1825625"/>
+          <a:ext cx="4600575" cy="3786187"/>
+        </p:xfrm>
+        <a:graphic>
+          <a:graphicData uri="http://schemas.openxmlformats.org/drawingml/2006/chart">
+            <c:chart xmlns:c="http://schemas.openxmlformats.org/drawingml/2006/chart" xmlns:r="http://schemas.openxmlformats.org/officeDocument/2006/relationships" r:id="rId2"/>
+          </a:graphicData>
+        </a:graphic>
+      </p:graphicFrame>
+      <mc:AlternateContent xmlns:mc="http://schemas.openxmlformats.org/markup-compatibility/2006" xmlns:a14="http://schemas.microsoft.com/office/drawing/2010/main">
+        <mc:Choice Requires="a14">
+          <p:sp>
+            <p:nvSpPr>
+              <p:cNvPr id="7" name="TextBox 6"/>
+              <p:cNvSpPr txBox="1"/>
+              <p:nvPr/>
+            </p:nvSpPr>
+            <p:spPr>
+              <a:xfrm>
+                <a:off x="1616257" y="4129876"/>
+                <a:ext cx="2154179" cy="923330"/>
+              </a:xfrm>
+              <a:prstGeom prst="rect">
+                <a:avLst/>
+              </a:prstGeom>
+              <a:noFill/>
+            </p:spPr>
+            <p:txBody>
+              <a:bodyPr wrap="none" rtlCol="0">
+                <a:spAutoFit/>
+              </a:bodyPr>
+              <a:lstStyle/>
+              <a:p>
+                <a:r>
+                  <a:rPr lang="en-GB" dirty="0" smtClean="0"/>
+                  <a:t>Trade happens</a:t>
+                </a:r>
+              </a:p>
+              <a:p>
+                <a:r>
+                  <a:rPr lang="en-GB" dirty="0" smtClean="0"/>
+                  <a:t>Causes price impact</a:t>
+                </a:r>
+              </a:p>
+              <a:p>
+                <a:r>
+                  <a:rPr lang="en-GB" dirty="0" smtClean="0"/>
+                  <a:t>Size of bar = </a:t>
+                </a:r>
+                <a14:m>
+                  <m:oMath xmlns:m="http://schemas.openxmlformats.org/officeDocument/2006/math">
+                    <m:r>
+                      <a:rPr lang="en-GB" i="1">
+                        <a:latin typeface="Cambria Math" panose="02040503050406030204" pitchFamily="18" charset="0"/>
+                      </a:rPr>
+                      <m:t>𝑓</m:t>
+                    </m:r>
+                    <m:r>
+                      <a:rPr lang="en-GB" i="1">
+                        <a:latin typeface="Cambria Math" panose="02040503050406030204" pitchFamily="18" charset="0"/>
+                      </a:rPr>
+                      <m:t>(</m:t>
+                    </m:r>
+                    <m:sSubSup>
+                      <m:sSubSupPr>
+                        <m:ctrlPr>
+                          <a:rPr lang="en-GB" i="1">
+                            <a:latin typeface="Cambria Math" panose="02040503050406030204" pitchFamily="18" charset="0"/>
+                          </a:rPr>
+                        </m:ctrlPr>
+                      </m:sSubSupPr>
+                      <m:e>
+                        <m:r>
+                          <a:rPr lang="en-GB" i="1">
+                            <a:latin typeface="Cambria Math" panose="02040503050406030204" pitchFamily="18" charset="0"/>
+                          </a:rPr>
+                          <m:t>𝑣</m:t>
+                        </m:r>
+                      </m:e>
+                      <m:sub>
+                        <m:r>
+                          <a:rPr lang="en-GB" i="1">
+                            <a:latin typeface="Cambria Math" panose="02040503050406030204" pitchFamily="18" charset="0"/>
+                          </a:rPr>
+                          <m:t>𝑘</m:t>
+                        </m:r>
+                      </m:sub>
+                      <m:sup>
+                        <m:r>
+                          <a:rPr lang="en-GB" i="1">
+                            <a:latin typeface="Cambria Math" panose="02040503050406030204" pitchFamily="18" charset="0"/>
+                          </a:rPr>
+                          <m:t>𝑛𝑜𝑟</m:t>
+                        </m:r>
+                      </m:sup>
+                    </m:sSubSup>
+                    <m:r>
+                      <a:rPr lang="en-GB" i="1">
+                        <a:latin typeface="Cambria Math" panose="02040503050406030204" pitchFamily="18" charset="0"/>
+                      </a:rPr>
+                      <m:t>)</m:t>
+                    </m:r>
+                  </m:oMath>
+                </a14:m>
+                <a:endParaRPr lang="en-GB" dirty="0"/>
+              </a:p>
+            </p:txBody>
+          </p:sp>
+        </mc:Choice>
+        <mc:Fallback xmlns="">
+          <p:sp>
+            <p:nvSpPr>
+              <p:cNvPr id="7" name="TextBox 6"/>
+              <p:cNvSpPr txBox="1">
+                <a:spLocks noRot="1" noChangeAspect="1" noMove="1" noResize="1" noEditPoints="1" noAdjustHandles="1" noChangeArrowheads="1" noChangeShapeType="1" noTextEdit="1"/>
+              </p:cNvSpPr>
+              <p:nvPr/>
+            </p:nvSpPr>
+            <p:spPr>
+              <a:xfrm>
+                <a:off x="1616257" y="4129876"/>
+                <a:ext cx="2154179" cy="923330"/>
+              </a:xfrm>
+              <a:prstGeom prst="rect">
+                <a:avLst/>
+              </a:prstGeom>
+              <a:blipFill rotWithShape="0">
+                <a:blip r:embed="rId3"/>
+                <a:stretch>
+                  <a:fillRect l="-2260" t="-3289" r="-5932" b="-9211"/>
+                </a:stretch>
+              </a:blipFill>
+            </p:spPr>
+            <p:txBody>
+              <a:bodyPr/>
+              <a:lstStyle/>
+              <a:p>
+                <a:r>
+                  <a:rPr lang="en-GB">
+                    <a:noFill/>
+                  </a:rPr>
+                  <a:t> </a:t>
+                </a:r>
+              </a:p>
+            </p:txBody>
+          </p:sp>
+        </mc:Fallback>
+      </mc:AlternateContent>
+      <p:sp>
+        <p:nvSpPr>
+          <p:cNvPr id="10" name="TextBox 9"/>
+          <p:cNvSpPr txBox="1"/>
+          <p:nvPr/>
+        </p:nvSpPr>
+        <p:spPr>
+          <a:xfrm>
+            <a:off x="6456218" y="3987357"/>
+            <a:ext cx="3005182" cy="369332"/>
+          </a:xfrm>
+          <a:prstGeom prst="rect">
+            <a:avLst/>
+          </a:prstGeom>
+          <a:noFill/>
+        </p:spPr>
+        <p:txBody>
+          <a:bodyPr wrap="none" rtlCol="0">
+            <a:spAutoFit/>
+          </a:bodyPr>
+          <a:lstStyle/>
+          <a:p>
+            <a:r>
+              <a:rPr lang="en-GB" dirty="0" smtClean="0"/>
+              <a:t>Impact decays away with time</a:t>
+            </a:r>
+            <a:endParaRPr lang="en-GB" dirty="0"/>
+          </a:p>
+        </p:txBody>
+      </p:sp>
+      <p:sp>
+        <p:nvSpPr>
+          <p:cNvPr id="11" name="Freeform 10"/>
+          <p:cNvSpPr/>
+          <p:nvPr/>
+        </p:nvSpPr>
+        <p:spPr>
+          <a:xfrm>
+            <a:off x="4291445" y="3896591"/>
+            <a:ext cx="3501737" cy="872836"/>
+          </a:xfrm>
+          <a:custGeom>
+            <a:avLst/>
+            <a:gdLst>
+              <a:gd name="connsiteX0" fmla="*/ 0 w 3429000"/>
+              <a:gd name="connsiteY0" fmla="*/ 0 h 1039091"/>
+              <a:gd name="connsiteX1" fmla="*/ 1527463 w 3429000"/>
+              <a:gd name="connsiteY1" fmla="*/ 602673 h 1039091"/>
+              <a:gd name="connsiteX2" fmla="*/ 3429000 w 3429000"/>
+              <a:gd name="connsiteY2" fmla="*/ 1039091 h 1039091"/>
+            </a:gdLst>
+            <a:ahLst/>
+            <a:cxnLst>
+              <a:cxn ang="0">
+                <a:pos x="connsiteX0" y="connsiteY0"/>
+              </a:cxn>
+              <a:cxn ang="0">
+                <a:pos x="connsiteX1" y="connsiteY1"/>
+              </a:cxn>
+              <a:cxn ang="0">
+                <a:pos x="connsiteX2" y="connsiteY2"/>
+              </a:cxn>
+            </a:cxnLst>
+            <a:rect l="l" t="t" r="r" b="b"/>
+            <a:pathLst>
+              <a:path w="3429000" h="1039091">
+                <a:moveTo>
+                  <a:pt x="0" y="0"/>
+                </a:moveTo>
+                <a:cubicBezTo>
+                  <a:pt x="477981" y="214745"/>
+                  <a:pt x="955963" y="429491"/>
+                  <a:pt x="1527463" y="602673"/>
+                </a:cubicBezTo>
+                <a:cubicBezTo>
+                  <a:pt x="2098963" y="775855"/>
+                  <a:pt x="3429000" y="1039091"/>
+                  <a:pt x="3429000" y="1039091"/>
+                </a:cubicBezTo>
+              </a:path>
+            </a:pathLst>
+          </a:custGeom>
+          <a:noFill/>
+          <a:ln>
+            <a:solidFill>
+              <a:srgbClr val="FF0000"/>
+            </a:solidFill>
+            <a:headEnd type="none" w="med" len="med"/>
+            <a:tailEnd type="triangle" w="med" len="med"/>
+          </a:ln>
+        </p:spPr>
+        <p:style>
+          <a:lnRef idx="2">
+            <a:schemeClr val="accent1">
+              <a:shade val="50000"/>
+            </a:schemeClr>
+          </a:lnRef>
+          <a:fillRef idx="1">
+            <a:schemeClr val="accent1"/>
+          </a:fillRef>
+          <a:effectRef idx="0">
+            <a:schemeClr val="accent1"/>
+          </a:effectRef>
+          <a:fontRef idx="minor">
+            <a:schemeClr val="lt1"/>
+          </a:fontRef>
+        </p:style>
+        <p:txBody>
+          <a:bodyPr rtlCol="0" anchor="ctr"/>
+          <a:lstStyle/>
+          <a:p>
+            <a:pPr algn="ctr"/>
+            <a:endParaRPr lang="en-GB"/>
+          </a:p>
+        </p:txBody>
+      </p:sp>
+      <p:sp>
+        <p:nvSpPr>
+          <p:cNvPr id="12" name="Left Brace 11"/>
+          <p:cNvSpPr/>
+          <p:nvPr/>
+        </p:nvSpPr>
+        <p:spPr>
+          <a:xfrm>
+            <a:off x="3751119" y="3932451"/>
+            <a:ext cx="166254" cy="1319645"/>
+          </a:xfrm>
+          <a:prstGeom prst="leftBrace">
+            <a:avLst/>
+          </a:prstGeom>
+          <a:ln>
+            <a:solidFill>
+              <a:srgbClr val="FF0000"/>
+            </a:solidFill>
+          </a:ln>
+        </p:spPr>
+        <p:style>
+          <a:lnRef idx="1">
+            <a:schemeClr val="accent1"/>
+          </a:lnRef>
+          <a:fillRef idx="0">
+            <a:schemeClr val="accent1"/>
+          </a:fillRef>
+          <a:effectRef idx="0">
+            <a:schemeClr val="accent1"/>
+          </a:effectRef>
+          <a:fontRef idx="minor">
+            <a:schemeClr val="tx1"/>
+          </a:fontRef>
+        </p:style>
+        <p:txBody>
+          <a:bodyPr rtlCol="0" anchor="ctr"/>
+          <a:lstStyle/>
+          <a:p>
+            <a:pPr algn="ctr"/>
+            <a:endParaRPr lang="en-GB"/>
+          </a:p>
+        </p:txBody>
+      </p:sp>
+    </p:spTree>
+    <p:extLst>
+      <p:ext uri="{BB962C8B-B14F-4D97-AF65-F5344CB8AC3E}">
+        <p14:creationId xmlns:p14="http://schemas.microsoft.com/office/powerpoint/2010/main" val="3583921487"/>
+      </p:ext>
+    </p:extLst>
+  </p:cSld>
+  <p:clrMapOvr>
+    <a:masterClrMapping/>
+  </p:clrMapOvr>
+  <p:timing>
+    <p:tnLst>
+      <p:par>
+        <p:cTn id="1" dur="indefinite" restart="never" nodeType="tmRoot"/>
+      </p:par>
+    </p:tnLst>
+  </p:timing>
+</p:sld>
+</file>
+
+<file path=ppt/slides/slide15.xml><?xml version="1.0" encoding="utf-8"?>
+<p:sld xmlns:a="http://schemas.openxmlformats.org/drawingml/2006/main" xmlns:r="http://schemas.openxmlformats.org/officeDocument/2006/relationships" xmlns:p="http://schemas.openxmlformats.org/presentationml/2006/main">
+  <p:cSld>
+    <p:spTree>
+      <p:nvGrpSpPr>
+        <p:cNvPr id="1" name=""/>
+        <p:cNvGrpSpPr/>
+        <p:nvPr/>
+      </p:nvGrpSpPr>
+      <p:grpSpPr>
+        <a:xfrm>
+          <a:off x="0" y="0"/>
+          <a:ext cx="0" cy="0"/>
+          <a:chOff x="0" y="0"/>
+          <a:chExt cx="0" cy="0"/>
+        </a:xfrm>
+      </p:grpSpPr>
+      <p:sp>
+        <p:nvSpPr>
+          <p:cNvPr id="2" name="Title 1"/>
+          <p:cNvSpPr>
+            <a:spLocks noGrp="1"/>
+          </p:cNvSpPr>
+          <p:nvPr>
+            <p:ph type="title"/>
+          </p:nvPr>
+        </p:nvSpPr>
+        <p:spPr/>
+        <p:txBody>
+          <a:bodyPr/>
+          <a:lstStyle/>
+          <a:p>
+            <a:r>
+              <a:rPr lang="en-GB" dirty="0"/>
+              <a:t>Calibration of the propagator </a:t>
+            </a:r>
+          </a:p>
+        </p:txBody>
+      </p:sp>
+      <mc:AlternateContent xmlns:mc="http://schemas.openxmlformats.org/markup-compatibility/2006" xmlns:a14="http://schemas.microsoft.com/office/drawing/2010/main">
+        <mc:Choice Requires="a14">
+          <p:sp>
+            <p:nvSpPr>
+              <p:cNvPr id="4" name="Rectangle 3"/>
+              <p:cNvSpPr/>
+              <p:nvPr/>
+            </p:nvSpPr>
+            <p:spPr>
+              <a:xfrm>
+                <a:off x="4118840" y="3413593"/>
+                <a:ext cx="3530647" cy="1056379"/>
+              </a:xfrm>
+              <a:prstGeom prst="rect">
+                <a:avLst/>
+              </a:prstGeom>
+            </p:spPr>
+            <p:txBody>
+              <a:bodyPr wrap="none">
+                <a:spAutoFit/>
+              </a:bodyPr>
+              <a:lstStyle/>
+              <a:p>
+                <a:pPr/>
+                <a14:m>
+                  <m:oMathPara xmlns:m="http://schemas.openxmlformats.org/officeDocument/2006/math">
+                    <m:oMathParaPr>
+                      <m:jc m:val="centerGroup"/>
+                    </m:oMathParaPr>
+                    <m:oMath xmlns:m="http://schemas.openxmlformats.org/officeDocument/2006/math">
+                      <m:sSub>
+                        <m:sSubPr>
+                          <m:ctrlPr>
+                            <a:rPr lang="en-GB" sz="2200" i="1" smtClean="0">
+                              <a:latin typeface="Cambria Math" panose="02040503050406030204" pitchFamily="18" charset="0"/>
+                            </a:rPr>
+                          </m:ctrlPr>
+                        </m:sSubPr>
+                        <m:e>
+                          <m:r>
+                            <a:rPr lang="en-GB" sz="2200" b="0" i="1" smtClean="0">
+                              <a:latin typeface="Cambria Math" panose="02040503050406030204" pitchFamily="18" charset="0"/>
+                            </a:rPr>
+                            <m:t>𝑟</m:t>
+                          </m:r>
+                        </m:e>
+                        <m:sub>
+                          <m:r>
+                            <a:rPr lang="en-GB" sz="2200" i="1">
+                              <a:latin typeface="Cambria Math" panose="02040503050406030204" pitchFamily="18" charset="0"/>
+                            </a:rPr>
+                            <m:t>𝑗</m:t>
+                          </m:r>
+                        </m:sub>
+                      </m:sSub>
+                      <m:r>
+                        <a:rPr lang="en-GB" sz="2200" i="1">
+                          <a:latin typeface="Cambria Math" panose="02040503050406030204" pitchFamily="18" charset="0"/>
+                        </a:rPr>
+                        <m:t>=</m:t>
+                      </m:r>
+                      <m:r>
+                        <m:rPr>
+                          <m:nor/>
+                        </m:rPr>
+                        <a:rPr lang="en-GB" sz="2200">
+                          <a:latin typeface="Cambria Math" panose="02040503050406030204" pitchFamily="18" charset="0"/>
+                        </a:rPr>
+                        <m:t> </m:t>
+                      </m:r>
+                      <m:nary>
+                        <m:naryPr>
+                          <m:chr m:val="∑"/>
+                          <m:ctrlPr>
+                            <a:rPr lang="en-GB" sz="2200" i="1">
+                              <a:latin typeface="Cambria Math" panose="02040503050406030204" pitchFamily="18" charset="0"/>
+                            </a:rPr>
+                          </m:ctrlPr>
+                        </m:naryPr>
+                        <m:sub>
+                          <m:r>
+                            <m:rPr>
+                              <m:brk m:alnAt="23"/>
+                            </m:rPr>
+                            <a:rPr lang="en-GB" sz="2200" i="1">
+                              <a:latin typeface="Cambria Math" panose="02040503050406030204" pitchFamily="18" charset="0"/>
+                            </a:rPr>
+                            <m:t>𝑘</m:t>
+                          </m:r>
+                          <m:r>
+                            <a:rPr lang="en-GB" sz="2200" i="1">
+                              <a:latin typeface="Cambria Math" panose="02040503050406030204" pitchFamily="18" charset="0"/>
+                            </a:rPr>
+                            <m:t>=0</m:t>
+                          </m:r>
+                        </m:sub>
+                        <m:sup>
+                          <m:r>
+                            <a:rPr lang="en-GB" sz="2200" i="1">
+                              <a:latin typeface="Cambria Math" panose="02040503050406030204" pitchFamily="18" charset="0"/>
+                            </a:rPr>
+                            <m:t>𝑗</m:t>
+                          </m:r>
+                          <m:r>
+                            <a:rPr lang="en-GB" sz="2200" i="1">
+                              <a:latin typeface="Cambria Math" panose="02040503050406030204" pitchFamily="18" charset="0"/>
+                            </a:rPr>
+                            <m:t>−1</m:t>
+                          </m:r>
+                        </m:sup>
+                        <m:e>
+                          <m:r>
+                            <a:rPr lang="en-GB" sz="2200" i="1">
+                              <a:latin typeface="Cambria Math" panose="02040503050406030204" pitchFamily="18" charset="0"/>
+                            </a:rPr>
+                            <m:t>𝑔</m:t>
+                          </m:r>
+                          <m:d>
+                            <m:dPr>
+                              <m:ctrlPr>
+                                <a:rPr lang="en-GB" sz="2200" i="1">
+                                  <a:latin typeface="Cambria Math" panose="02040503050406030204" pitchFamily="18" charset="0"/>
+                                </a:rPr>
+                              </m:ctrlPr>
+                            </m:dPr>
+                            <m:e>
+                              <m:r>
+                                <a:rPr lang="en-GB" sz="2200" i="1">
+                                  <a:latin typeface="Cambria Math" panose="02040503050406030204" pitchFamily="18" charset="0"/>
+                                </a:rPr>
+                                <m:t>𝑘</m:t>
+                              </m:r>
+                            </m:e>
+                          </m:d>
+                          <m:r>
+                            <a:rPr lang="en-GB" sz="2200" i="1">
+                              <a:latin typeface="Cambria Math" panose="02040503050406030204" pitchFamily="18" charset="0"/>
+                            </a:rPr>
+                            <m:t>𝑓</m:t>
+                          </m:r>
+                          <m:r>
+                            <a:rPr lang="en-GB" sz="2200" i="1">
+                              <a:latin typeface="Cambria Math" panose="02040503050406030204" pitchFamily="18" charset="0"/>
+                            </a:rPr>
+                            <m:t>(</m:t>
+                          </m:r>
+                          <m:sSubSup>
+                            <m:sSubSupPr>
+                              <m:ctrlPr>
+                                <a:rPr lang="en-GB" sz="2200" i="1">
+                                  <a:latin typeface="Cambria Math" panose="02040503050406030204" pitchFamily="18" charset="0"/>
+                                </a:rPr>
+                              </m:ctrlPr>
+                            </m:sSubSupPr>
+                            <m:e>
+                              <m:r>
+                                <a:rPr lang="en-GB" sz="2200" i="1">
+                                  <a:latin typeface="Cambria Math" panose="02040503050406030204" pitchFamily="18" charset="0"/>
+                                </a:rPr>
+                                <m:t>𝑣</m:t>
+                              </m:r>
+                            </m:e>
+                            <m:sub>
+                              <m:r>
+                                <a:rPr lang="en-GB" sz="2200" b="0" i="1" smtClean="0">
+                                  <a:latin typeface="Cambria Math" panose="02040503050406030204" pitchFamily="18" charset="0"/>
+                                </a:rPr>
+                                <m:t>𝑗</m:t>
+                              </m:r>
+                              <m:r>
+                                <a:rPr lang="en-GB" sz="2200" b="0" i="1" smtClean="0">
+                                  <a:latin typeface="Cambria Math" panose="02040503050406030204" pitchFamily="18" charset="0"/>
+                                </a:rPr>
+                                <m:t>−</m:t>
+                              </m:r>
+                              <m:r>
+                                <a:rPr lang="en-GB" sz="2200" i="1">
+                                  <a:latin typeface="Cambria Math" panose="02040503050406030204" pitchFamily="18" charset="0"/>
+                                </a:rPr>
+                                <m:t>𝑘</m:t>
+                              </m:r>
+                            </m:sub>
+                            <m:sup>
+                              <m:r>
+                                <a:rPr lang="en-GB" sz="2200" i="1">
+                                  <a:latin typeface="Cambria Math" panose="02040503050406030204" pitchFamily="18" charset="0"/>
+                                </a:rPr>
+                                <m:t>𝑛𝑜𝑟</m:t>
+                              </m:r>
+                            </m:sup>
+                          </m:sSubSup>
+                          <m:r>
+                            <a:rPr lang="en-GB" sz="2200" i="1">
+                              <a:latin typeface="Cambria Math" panose="02040503050406030204" pitchFamily="18" charset="0"/>
+                            </a:rPr>
+                            <m:t>)</m:t>
+                          </m:r>
+                        </m:e>
+                      </m:nary>
+                      <m:r>
+                        <a:rPr lang="en-GB" sz="2200" b="0" i="1" smtClean="0">
+                          <a:latin typeface="Cambria Math" panose="02040503050406030204" pitchFamily="18" charset="0"/>
+                        </a:rPr>
+                        <m:t>+</m:t>
+                      </m:r>
+                      <m:sSub>
+                        <m:sSubPr>
+                          <m:ctrlPr>
+                            <a:rPr lang="en-GB" sz="2200" i="1">
+                              <a:latin typeface="Cambria Math" panose="02040503050406030204" pitchFamily="18" charset="0"/>
+                            </a:rPr>
+                          </m:ctrlPr>
+                        </m:sSubPr>
+                        <m:e>
+                          <m:r>
+                            <a:rPr lang="el-GR" sz="2200" i="1">
+                              <a:latin typeface="Cambria Math" panose="02040503050406030204" pitchFamily="18" charset="0"/>
+                            </a:rPr>
+                            <m:t>𝜂</m:t>
+                          </m:r>
+                        </m:e>
+                        <m:sub>
+                          <m:r>
+                            <a:rPr lang="en-GB" sz="2200" i="1">
+                              <a:latin typeface="Cambria Math" panose="02040503050406030204" pitchFamily="18" charset="0"/>
+                            </a:rPr>
+                            <m:t>𝑘</m:t>
+                          </m:r>
+                        </m:sub>
+                      </m:sSub>
+                    </m:oMath>
+                  </m:oMathPara>
+                </a14:m>
+                <a:endParaRPr lang="en-GB" sz="2200" dirty="0"/>
+              </a:p>
+            </p:txBody>
+          </p:sp>
+        </mc:Choice>
+        <mc:Fallback xmlns="">
+          <p:sp>
+            <p:nvSpPr>
+              <p:cNvPr id="4" name="Rectangle 3"/>
+              <p:cNvSpPr>
+                <a:spLocks noRot="1" noChangeAspect="1" noMove="1" noResize="1" noEditPoints="1" noAdjustHandles="1" noChangeArrowheads="1" noChangeShapeType="1" noTextEdit="1"/>
+              </p:cNvSpPr>
+              <p:nvPr/>
+            </p:nvSpPr>
+            <p:spPr>
+              <a:xfrm>
+                <a:off x="4118840" y="3413593"/>
+                <a:ext cx="3530647" cy="1056379"/>
+              </a:xfrm>
+              <a:prstGeom prst="rect">
+                <a:avLst/>
+              </a:prstGeom>
+              <a:blipFill rotWithShape="0">
+                <a:blip r:embed="rId2"/>
+                <a:stretch>
+                  <a:fillRect/>
+                </a:stretch>
+              </a:blipFill>
+            </p:spPr>
+            <p:txBody>
+              <a:bodyPr/>
+              <a:lstStyle/>
+              <a:p>
+                <a:r>
+                  <a:rPr lang="en-GB">
+                    <a:noFill/>
+                  </a:rPr>
+                  <a:t> </a:t>
+                </a:r>
+              </a:p>
+            </p:txBody>
+          </p:sp>
+        </mc:Fallback>
+      </mc:AlternateContent>
+      <p:sp>
+        <p:nvSpPr>
+          <p:cNvPr id="20" name="Oval 19"/>
+          <p:cNvSpPr/>
+          <p:nvPr/>
+        </p:nvSpPr>
+        <p:spPr>
+          <a:xfrm>
+            <a:off x="5289177" y="3756031"/>
+            <a:ext cx="663388" cy="442666"/>
+          </a:xfrm>
+          <a:prstGeom prst="ellipse">
+            <a:avLst/>
+          </a:prstGeom>
+          <a:noFill/>
+          <a:ln>
+            <a:solidFill>
+              <a:srgbClr val="FF0000"/>
+            </a:solidFill>
+          </a:ln>
+        </p:spPr>
+        <p:style>
+          <a:lnRef idx="2">
+            <a:schemeClr val="accent1">
+              <a:shade val="50000"/>
+            </a:schemeClr>
+          </a:lnRef>
+          <a:fillRef idx="1">
+            <a:schemeClr val="accent1"/>
+          </a:fillRef>
+          <a:effectRef idx="0">
+            <a:schemeClr val="accent1"/>
+          </a:effectRef>
+          <a:fontRef idx="minor">
+            <a:schemeClr val="lt1"/>
+          </a:fontRef>
+        </p:style>
+        <p:txBody>
+          <a:bodyPr rtlCol="0" anchor="ctr"/>
+          <a:lstStyle/>
+          <a:p>
+            <a:pPr algn="ctr"/>
+            <a:endParaRPr lang="en-GB"/>
+          </a:p>
+        </p:txBody>
+      </p:sp>
+      <p:cxnSp>
+        <p:nvCxnSpPr>
+          <p:cNvPr id="21" name="Straight Arrow Connector 20"/>
+          <p:cNvCxnSpPr>
+            <a:stCxn id="20" idx="4"/>
+          </p:cNvCxnSpPr>
+          <p:nvPr/>
+        </p:nvCxnSpPr>
+        <p:spPr>
+          <a:xfrm flipH="1">
+            <a:off x="5199531" y="4198697"/>
+            <a:ext cx="421340" cy="557908"/>
+          </a:xfrm>
+          <a:prstGeom prst="straightConnector1">
+            <a:avLst/>
+          </a:prstGeom>
+          <a:ln>
+            <a:solidFill>
+              <a:srgbClr val="FF0000"/>
+            </a:solidFill>
+            <a:tailEnd type="triangle"/>
+          </a:ln>
+        </p:spPr>
+        <p:style>
+          <a:lnRef idx="1">
+            <a:schemeClr val="accent1"/>
+          </a:lnRef>
+          <a:fillRef idx="0">
+            <a:schemeClr val="accent1"/>
+          </a:fillRef>
+          <a:effectRef idx="0">
+            <a:schemeClr val="accent1"/>
+          </a:effectRef>
+          <a:fontRef idx="minor">
+            <a:schemeClr val="tx1"/>
+          </a:fontRef>
+        </p:style>
+      </p:cxnSp>
+      <mc:AlternateContent xmlns:mc="http://schemas.openxmlformats.org/markup-compatibility/2006" xmlns:a14="http://schemas.microsoft.com/office/drawing/2010/main">
+        <mc:Choice Requires="a14">
+          <p:sp>
+            <p:nvSpPr>
+              <p:cNvPr id="26" name="TextBox 25"/>
+              <p:cNvSpPr txBox="1"/>
+              <p:nvPr/>
+            </p:nvSpPr>
+            <p:spPr>
+              <a:xfrm>
+                <a:off x="2925134" y="4682340"/>
+                <a:ext cx="3279424" cy="1200329"/>
+              </a:xfrm>
+              <a:prstGeom prst="rect">
+                <a:avLst/>
+              </a:prstGeom>
+              <a:noFill/>
+            </p:spPr>
+            <p:txBody>
+              <a:bodyPr wrap="none" rtlCol="0">
+                <a:spAutoFit/>
+              </a:bodyPr>
+              <a:lstStyle/>
+              <a:p>
+                <a14:m>
+                  <m:oMath xmlns:m="http://schemas.openxmlformats.org/officeDocument/2006/math">
+                    <m:r>
+                      <a:rPr lang="en-GB" i="1">
+                        <a:latin typeface="Cambria Math" panose="02040503050406030204" pitchFamily="18" charset="0"/>
+                      </a:rPr>
+                      <m:t>𝑔</m:t>
+                    </m:r>
+                    <m:d>
+                      <m:dPr>
+                        <m:ctrlPr>
+                          <a:rPr lang="en-GB" i="1">
+                            <a:latin typeface="Cambria Math" panose="02040503050406030204" pitchFamily="18" charset="0"/>
+                          </a:rPr>
+                        </m:ctrlPr>
+                      </m:dPr>
+                      <m:e>
+                        <m:r>
+                          <a:rPr lang="en-GB" i="1">
+                            <a:latin typeface="Cambria Math" panose="02040503050406030204" pitchFamily="18" charset="0"/>
+                          </a:rPr>
+                          <m:t>𝑘</m:t>
+                        </m:r>
+                      </m:e>
+                    </m:d>
+                    <m:r>
+                      <a:rPr lang="en-GB" i="1">
+                        <a:latin typeface="Cambria Math" panose="02040503050406030204" pitchFamily="18" charset="0"/>
+                        <a:ea typeface="Cambria Math" panose="02040503050406030204" pitchFamily="18" charset="0"/>
+                      </a:rPr>
+                      <m:t>≡</m:t>
+                    </m:r>
+                    <m:sSub>
+                      <m:sSubPr>
+                        <m:ctrlPr>
+                          <a:rPr lang="en-GB" i="1">
+                            <a:latin typeface="Cambria Math" panose="02040503050406030204" pitchFamily="18" charset="0"/>
+                          </a:rPr>
+                        </m:ctrlPr>
+                      </m:sSubPr>
+                      <m:e>
+                        <m:r>
+                          <a:rPr lang="en-GB" i="1">
+                            <a:latin typeface="Cambria Math" panose="02040503050406030204" pitchFamily="18" charset="0"/>
+                          </a:rPr>
+                          <m:t>𝐺</m:t>
+                        </m:r>
+                      </m:e>
+                      <m:sub>
+                        <m:r>
+                          <a:rPr lang="en-GB" i="1">
+                            <a:latin typeface="Cambria Math" panose="02040503050406030204" pitchFamily="18" charset="0"/>
+                          </a:rPr>
+                          <m:t>0</m:t>
+                        </m:r>
+                      </m:sub>
+                    </m:sSub>
+                    <m:d>
+                      <m:dPr>
+                        <m:ctrlPr>
+                          <a:rPr lang="en-GB" i="1">
+                            <a:latin typeface="Cambria Math" panose="02040503050406030204" pitchFamily="18" charset="0"/>
+                          </a:rPr>
+                        </m:ctrlPr>
+                      </m:dPr>
+                      <m:e>
+                        <m:r>
+                          <a:rPr lang="en-GB" i="1">
+                            <a:latin typeface="Cambria Math" panose="02040503050406030204" pitchFamily="18" charset="0"/>
+                          </a:rPr>
+                          <m:t>𝑘</m:t>
+                        </m:r>
+                        <m:r>
+                          <a:rPr lang="en-GB" i="1">
+                            <a:latin typeface="Cambria Math" panose="02040503050406030204" pitchFamily="18" charset="0"/>
+                          </a:rPr>
+                          <m:t>+1</m:t>
+                        </m:r>
+                      </m:e>
+                    </m:d>
+                    <m:r>
+                      <a:rPr lang="en-GB" i="1">
+                        <a:latin typeface="Cambria Math" panose="02040503050406030204" pitchFamily="18" charset="0"/>
+                      </a:rPr>
+                      <m:t>−</m:t>
+                    </m:r>
+                    <m:sSub>
+                      <m:sSubPr>
+                        <m:ctrlPr>
+                          <a:rPr lang="en-GB" i="1">
+                            <a:latin typeface="Cambria Math" panose="02040503050406030204" pitchFamily="18" charset="0"/>
+                          </a:rPr>
+                        </m:ctrlPr>
+                      </m:sSubPr>
+                      <m:e>
+                        <m:r>
+                          <a:rPr lang="en-GB" i="1">
+                            <a:latin typeface="Cambria Math" panose="02040503050406030204" pitchFamily="18" charset="0"/>
+                          </a:rPr>
+                          <m:t>𝐺</m:t>
+                        </m:r>
+                      </m:e>
+                      <m:sub>
+                        <m:r>
+                          <a:rPr lang="en-GB" i="1">
+                            <a:latin typeface="Cambria Math" panose="02040503050406030204" pitchFamily="18" charset="0"/>
+                          </a:rPr>
+                          <m:t>0</m:t>
+                        </m:r>
+                      </m:sub>
+                    </m:sSub>
+                    <m:d>
+                      <m:dPr>
+                        <m:ctrlPr>
+                          <a:rPr lang="en-GB" i="1">
+                            <a:latin typeface="Cambria Math" panose="02040503050406030204" pitchFamily="18" charset="0"/>
+                          </a:rPr>
+                        </m:ctrlPr>
+                      </m:dPr>
+                      <m:e>
+                        <m:r>
+                          <a:rPr lang="en-GB" i="1">
+                            <a:latin typeface="Cambria Math" panose="02040503050406030204" pitchFamily="18" charset="0"/>
+                          </a:rPr>
+                          <m:t>𝑘</m:t>
+                        </m:r>
+                      </m:e>
+                    </m:d>
+                  </m:oMath>
+                </a14:m>
+                <a:r>
+                  <a:rPr lang="en-GB" dirty="0" smtClean="0"/>
+                  <a:t> </a:t>
+                </a:r>
+              </a:p>
+              <a:p>
+                <a:r>
+                  <a:rPr lang="en-GB" dirty="0" smtClean="0"/>
+                  <a:t>and </a:t>
+                </a:r>
+                <a14:m>
+                  <m:oMath xmlns:m="http://schemas.openxmlformats.org/officeDocument/2006/math">
+                    <m:sSub>
+                      <m:sSubPr>
+                        <m:ctrlPr>
+                          <a:rPr lang="en-GB" i="1">
+                            <a:latin typeface="Cambria Math" panose="02040503050406030204" pitchFamily="18" charset="0"/>
+                          </a:rPr>
+                        </m:ctrlPr>
+                      </m:sSubPr>
+                      <m:e>
+                        <m:r>
+                          <a:rPr lang="en-GB" i="1">
+                            <a:latin typeface="Cambria Math" panose="02040503050406030204" pitchFamily="18" charset="0"/>
+                          </a:rPr>
+                          <m:t> </m:t>
+                        </m:r>
+                        <m:r>
+                          <a:rPr lang="en-GB" i="1">
+                            <a:latin typeface="Cambria Math" panose="02040503050406030204" pitchFamily="18" charset="0"/>
+                          </a:rPr>
+                          <m:t>𝐺</m:t>
+                        </m:r>
+                      </m:e>
+                      <m:sub>
+                        <m:r>
+                          <a:rPr lang="en-GB" i="1">
+                            <a:latin typeface="Cambria Math" panose="02040503050406030204" pitchFamily="18" charset="0"/>
+                          </a:rPr>
+                          <m:t>0</m:t>
+                        </m:r>
+                      </m:sub>
+                    </m:sSub>
+                    <m:d>
+                      <m:dPr>
+                        <m:ctrlPr>
+                          <a:rPr lang="en-GB" i="1">
+                            <a:latin typeface="Cambria Math" panose="02040503050406030204" pitchFamily="18" charset="0"/>
+                          </a:rPr>
+                        </m:ctrlPr>
+                      </m:dPr>
+                      <m:e>
+                        <m:r>
+                          <a:rPr lang="en-GB" i="1">
+                            <a:latin typeface="Cambria Math" panose="02040503050406030204" pitchFamily="18" charset="0"/>
+                          </a:rPr>
+                          <m:t>0</m:t>
+                        </m:r>
+                      </m:e>
+                    </m:d>
+                    <m:r>
+                      <a:rPr lang="en-GB" i="1">
+                        <a:latin typeface="Cambria Math" panose="02040503050406030204" pitchFamily="18" charset="0"/>
+                      </a:rPr>
+                      <m:t>=0</m:t>
+                    </m:r>
+                  </m:oMath>
+                </a14:m>
+                <a:endParaRPr lang="en-GB" dirty="0" smtClean="0"/>
+              </a:p>
+              <a:p>
+                <a:endParaRPr lang="en-GB" dirty="0"/>
+              </a:p>
+              <a:p>
+                <a:r>
+                  <a:rPr lang="en-GB" dirty="0" smtClean="0"/>
+                  <a:t>i.e. it becomes the factor loadings</a:t>
+                </a:r>
+                <a:endParaRPr lang="en-GB" dirty="0"/>
+              </a:p>
+            </p:txBody>
+          </p:sp>
+        </mc:Choice>
+        <mc:Fallback xmlns="">
+          <p:sp>
+            <p:nvSpPr>
+              <p:cNvPr id="26" name="TextBox 25"/>
+              <p:cNvSpPr txBox="1">
+                <a:spLocks noRot="1" noChangeAspect="1" noMove="1" noResize="1" noEditPoints="1" noAdjustHandles="1" noChangeArrowheads="1" noChangeShapeType="1" noTextEdit="1"/>
+              </p:cNvSpPr>
+              <p:nvPr/>
+            </p:nvSpPr>
+            <p:spPr>
+              <a:xfrm>
+                <a:off x="2925134" y="4682340"/>
+                <a:ext cx="3279424" cy="1200329"/>
+              </a:xfrm>
+              <a:prstGeom prst="rect">
+                <a:avLst/>
+              </a:prstGeom>
+              <a:blipFill rotWithShape="0">
+                <a:blip r:embed="rId3"/>
+                <a:stretch>
+                  <a:fillRect l="-1673" r="-929" b="-7107"/>
+                </a:stretch>
+              </a:blipFill>
+            </p:spPr>
+            <p:txBody>
+              <a:bodyPr/>
+              <a:lstStyle/>
+              <a:p>
+                <a:r>
+                  <a:rPr lang="en-GB">
+                    <a:noFill/>
+                  </a:rPr>
+                  <a:t> </a:t>
+                </a:r>
+              </a:p>
+            </p:txBody>
+          </p:sp>
+        </mc:Fallback>
+      </mc:AlternateContent>
+      <p:sp>
+        <p:nvSpPr>
+          <p:cNvPr id="29" name="Right Brace 28"/>
+          <p:cNvSpPr/>
+          <p:nvPr/>
+        </p:nvSpPr>
+        <p:spPr>
+          <a:xfrm rot="16200000">
+            <a:off x="5774761" y="2487315"/>
+            <a:ext cx="224117" cy="1888578"/>
+          </a:xfrm>
+          <a:prstGeom prst="rightBrace">
+            <a:avLst/>
+          </a:prstGeom>
+          <a:ln>
+            <a:solidFill>
+              <a:srgbClr val="FF0000"/>
+            </a:solidFill>
+          </a:ln>
+        </p:spPr>
+        <p:style>
+          <a:lnRef idx="1">
+            <a:schemeClr val="accent1"/>
+          </a:lnRef>
+          <a:fillRef idx="0">
+            <a:schemeClr val="accent1"/>
+          </a:fillRef>
+          <a:effectRef idx="0">
+            <a:schemeClr val="accent1"/>
+          </a:effectRef>
+          <a:fontRef idx="minor">
+            <a:schemeClr val="tx1"/>
+          </a:fontRef>
+        </p:style>
+        <p:txBody>
+          <a:bodyPr rtlCol="0" anchor="ctr"/>
+          <a:lstStyle/>
+          <a:p>
+            <a:pPr algn="ctr"/>
+            <a:endParaRPr lang="en-GB"/>
+          </a:p>
+        </p:txBody>
+      </p:sp>
+      <p:sp>
+        <p:nvSpPr>
+          <p:cNvPr id="30" name="TextBox 29"/>
+          <p:cNvSpPr txBox="1"/>
+          <p:nvPr/>
+        </p:nvSpPr>
+        <p:spPr>
+          <a:xfrm>
+            <a:off x="4956665" y="3049981"/>
+            <a:ext cx="1854995" cy="369332"/>
+          </a:xfrm>
+          <a:prstGeom prst="rect">
+            <a:avLst/>
+          </a:prstGeom>
+          <a:noFill/>
+        </p:spPr>
+        <p:txBody>
+          <a:bodyPr wrap="none" rtlCol="0">
+            <a:spAutoFit/>
+          </a:bodyPr>
+          <a:lstStyle/>
+          <a:p>
+            <a:pPr algn="ctr"/>
+            <a:r>
+              <a:rPr lang="en-GB" dirty="0" smtClean="0"/>
+              <a:t>Run this regression</a:t>
+            </a:r>
+            <a:endParaRPr lang="en-GB" dirty="0"/>
+          </a:p>
+        </p:txBody>
+      </p:sp>
+      <p:sp>
+        <p:nvSpPr>
+          <p:cNvPr id="31" name="TextBox 30"/>
+          <p:cNvSpPr txBox="1"/>
+          <p:nvPr/>
+        </p:nvSpPr>
+        <p:spPr>
+          <a:xfrm>
+            <a:off x="8657457" y="3812845"/>
+            <a:ext cx="562975" cy="369332"/>
+          </a:xfrm>
+          <a:prstGeom prst="rect">
+            <a:avLst/>
+          </a:prstGeom>
+          <a:noFill/>
+        </p:spPr>
+        <p:txBody>
+          <a:bodyPr wrap="none" rtlCol="0">
+            <a:spAutoFit/>
+          </a:bodyPr>
+          <a:lstStyle/>
+          <a:p>
+            <a:r>
+              <a:rPr lang="en-GB" dirty="0" smtClean="0"/>
+              <a:t>(24)</a:t>
+            </a:r>
+            <a:endParaRPr lang="en-GB" dirty="0"/>
+          </a:p>
+        </p:txBody>
+      </p:sp>
+      <p:sp>
+        <p:nvSpPr>
+          <p:cNvPr id="35" name="Oval 34"/>
+          <p:cNvSpPr/>
+          <p:nvPr/>
+        </p:nvSpPr>
+        <p:spPr>
+          <a:xfrm>
+            <a:off x="5952565" y="3756031"/>
+            <a:ext cx="1007969" cy="426146"/>
+          </a:xfrm>
+          <a:prstGeom prst="ellipse">
+            <a:avLst/>
+          </a:prstGeom>
+          <a:noFill/>
+          <a:ln>
+            <a:solidFill>
+              <a:srgbClr val="FF0000"/>
+            </a:solidFill>
+          </a:ln>
+        </p:spPr>
+        <p:style>
+          <a:lnRef idx="2">
+            <a:schemeClr val="accent1">
+              <a:shade val="50000"/>
+            </a:schemeClr>
+          </a:lnRef>
+          <a:fillRef idx="1">
+            <a:schemeClr val="accent1"/>
+          </a:fillRef>
+          <a:effectRef idx="0">
+            <a:schemeClr val="accent1"/>
+          </a:effectRef>
+          <a:fontRef idx="minor">
+            <a:schemeClr val="lt1"/>
+          </a:fontRef>
+        </p:style>
+        <p:txBody>
+          <a:bodyPr rtlCol="0" anchor="ctr"/>
+          <a:lstStyle/>
+          <a:p>
+            <a:pPr algn="ctr"/>
+            <a:endParaRPr lang="en-GB"/>
+          </a:p>
+        </p:txBody>
+      </p:sp>
+      <p:cxnSp>
+        <p:nvCxnSpPr>
+          <p:cNvPr id="36" name="Straight Arrow Connector 35"/>
+          <p:cNvCxnSpPr>
+            <a:stCxn id="35" idx="4"/>
+          </p:cNvCxnSpPr>
+          <p:nvPr/>
+        </p:nvCxnSpPr>
+        <p:spPr>
+          <a:xfrm>
+            <a:off x="6456550" y="4182177"/>
+            <a:ext cx="876579" cy="596199"/>
+          </a:xfrm>
+          <a:prstGeom prst="straightConnector1">
+            <a:avLst/>
+          </a:prstGeom>
+          <a:ln>
+            <a:solidFill>
+              <a:srgbClr val="FF0000"/>
+            </a:solidFill>
+            <a:tailEnd type="triangle"/>
+          </a:ln>
+        </p:spPr>
+        <p:style>
+          <a:lnRef idx="1">
+            <a:schemeClr val="accent1"/>
+          </a:lnRef>
+          <a:fillRef idx="0">
+            <a:schemeClr val="accent1"/>
+          </a:fillRef>
+          <a:effectRef idx="0">
+            <a:schemeClr val="accent1"/>
+          </a:effectRef>
+          <a:fontRef idx="minor">
+            <a:schemeClr val="tx1"/>
+          </a:fontRef>
+        </p:style>
+      </p:cxnSp>
+      <p:sp>
+        <p:nvSpPr>
+          <p:cNvPr id="38" name="TextBox 37"/>
+          <p:cNvSpPr txBox="1"/>
+          <p:nvPr/>
+        </p:nvSpPr>
+        <p:spPr>
+          <a:xfrm>
+            <a:off x="6529096" y="4682340"/>
+            <a:ext cx="2833789" cy="369332"/>
+          </a:xfrm>
+          <a:prstGeom prst="rect">
+            <a:avLst/>
+          </a:prstGeom>
+          <a:noFill/>
+        </p:spPr>
+        <p:txBody>
+          <a:bodyPr wrap="none" rtlCol="0">
+            <a:spAutoFit/>
+          </a:bodyPr>
+          <a:lstStyle/>
+          <a:p>
+            <a:r>
+              <a:rPr lang="en-GB" dirty="0" smtClean="0"/>
+              <a:t>We observe this from before</a:t>
+            </a:r>
+            <a:endParaRPr lang="en-GB" dirty="0"/>
+          </a:p>
+        </p:txBody>
+      </p:sp>
+    </p:spTree>
+    <p:extLst>
+      <p:ext uri="{BB962C8B-B14F-4D97-AF65-F5344CB8AC3E}">
+        <p14:creationId xmlns:p14="http://schemas.microsoft.com/office/powerpoint/2010/main" val="1988373496"/>
+      </p:ext>
+    </p:extLst>
+  </p:cSld>
+  <p:clrMapOvr>
+    <a:masterClrMapping/>
+  </p:clrMapOvr>
+  <p:timing>
+    <p:tnLst>
+      <p:par>
+        <p:cTn id="1" dur="indefinite" restart="never" nodeType="tmRoot"/>
+      </p:par>
+    </p:tnLst>
+  </p:timing>
+</p:sld>
+</file>
+
+<file path=ppt/slides/slide16.xml><?xml version="1.0" encoding="utf-8"?>
 <p:sld xmlns:a="http://schemas.openxmlformats.org/drawingml/2006/main" xmlns:r="http://schemas.openxmlformats.org/officeDocument/2006/relationships" xmlns:p="http://schemas.openxmlformats.org/presentationml/2006/main">
   <p:cSld>
     <p:spTree>
@@ -7975,1408 +10239,7 @@
 </p:sld>
 </file>
 
-<file path=ppt/slides/slide13.xml><?xml version="1.0" encoding="utf-8"?>
-<p:sld xmlns:a="http://schemas.openxmlformats.org/drawingml/2006/main" xmlns:r="http://schemas.openxmlformats.org/officeDocument/2006/relationships" xmlns:p="http://schemas.openxmlformats.org/presentationml/2006/main">
-  <p:cSld>
-    <p:spTree>
-      <p:nvGrpSpPr>
-        <p:cNvPr id="1" name=""/>
-        <p:cNvGrpSpPr/>
-        <p:nvPr/>
-      </p:nvGrpSpPr>
-      <p:grpSpPr>
-        <a:xfrm>
-          <a:off x="0" y="0"/>
-          <a:ext cx="0" cy="0"/>
-          <a:chOff x="0" y="0"/>
-          <a:chExt cx="0" cy="0"/>
-        </a:xfrm>
-      </p:grpSpPr>
-      <p:sp>
-        <p:nvSpPr>
-          <p:cNvPr id="2" name="Title 1"/>
-          <p:cNvSpPr>
-            <a:spLocks noGrp="1"/>
-          </p:cNvSpPr>
-          <p:nvPr>
-            <p:ph type="title"/>
-          </p:nvPr>
-        </p:nvSpPr>
-        <p:spPr/>
-        <p:txBody>
-          <a:bodyPr/>
-          <a:lstStyle/>
-          <a:p>
-            <a:r>
-              <a:rPr lang="en-GB" dirty="0" smtClean="0"/>
-              <a:t>results</a:t>
-            </a:r>
-            <a:endParaRPr lang="en-GB" dirty="0"/>
-          </a:p>
-        </p:txBody>
-      </p:sp>
-      <p:pic>
-        <p:nvPicPr>
-          <p:cNvPr id="4" name="Content Placeholder 3"/>
-          <p:cNvPicPr>
-            <a:picLocks noGrp="1" noChangeAspect="1"/>
-          </p:cNvPicPr>
-          <p:nvPr>
-            <p:ph idx="1"/>
-          </p:nvPr>
-        </p:nvPicPr>
-        <p:blipFill>
-          <a:blip r:embed="rId2"/>
-          <a:stretch>
-            <a:fillRect/>
-          </a:stretch>
-        </p:blipFill>
-        <p:spPr>
-          <a:xfrm>
-            <a:off x="3769265" y="2286000"/>
-            <a:ext cx="4229608" cy="4022725"/>
-          </a:xfrm>
-          <a:prstGeom prst="rect">
-            <a:avLst/>
-          </a:prstGeom>
-        </p:spPr>
-      </p:pic>
-    </p:spTree>
-    <p:extLst>
-      <p:ext uri="{BB962C8B-B14F-4D97-AF65-F5344CB8AC3E}">
-        <p14:creationId xmlns:p14="http://schemas.microsoft.com/office/powerpoint/2010/main" val="2151026231"/>
-      </p:ext>
-    </p:extLst>
-  </p:cSld>
-  <p:clrMapOvr>
-    <a:masterClrMapping/>
-  </p:clrMapOvr>
-  <p:timing>
-    <p:tnLst>
-      <p:par>
-        <p:cTn id="1" dur="indefinite" restart="never" nodeType="tmRoot"/>
-      </p:par>
-    </p:tnLst>
-  </p:timing>
-</p:sld>
-</file>
-
-<file path=ppt/slides/slide14.xml><?xml version="1.0" encoding="utf-8"?>
-<p:sld xmlns:a="http://schemas.openxmlformats.org/drawingml/2006/main" xmlns:r="http://schemas.openxmlformats.org/officeDocument/2006/relationships" xmlns:p="http://schemas.openxmlformats.org/presentationml/2006/main">
-  <p:cSld>
-    <p:spTree>
-      <p:nvGrpSpPr>
-        <p:cNvPr id="1" name=""/>
-        <p:cNvGrpSpPr/>
-        <p:nvPr/>
-      </p:nvGrpSpPr>
-      <p:grpSpPr>
-        <a:xfrm>
-          <a:off x="0" y="0"/>
-          <a:ext cx="0" cy="0"/>
-          <a:chOff x="0" y="0"/>
-          <a:chExt cx="0" cy="0"/>
-        </a:xfrm>
-      </p:grpSpPr>
-      <p:sp>
-        <p:nvSpPr>
-          <p:cNvPr id="2" name="Title 1"/>
-          <p:cNvSpPr>
-            <a:spLocks noGrp="1"/>
-          </p:cNvSpPr>
-          <p:nvPr>
-            <p:ph type="title"/>
-          </p:nvPr>
-        </p:nvSpPr>
-        <p:spPr/>
-        <p:txBody>
-          <a:bodyPr/>
-          <a:lstStyle/>
-          <a:p>
-            <a:r>
-              <a:rPr lang="en-GB" dirty="0" smtClean="0"/>
-              <a:t>How it works</a:t>
-            </a:r>
-            <a:endParaRPr lang="en-GB" dirty="0"/>
-          </a:p>
-        </p:txBody>
-      </p:sp>
-      <p:sp>
-        <p:nvSpPr>
-          <p:cNvPr id="3" name="Content Placeholder 2"/>
-          <p:cNvSpPr>
-            <a:spLocks noGrp="1"/>
-          </p:cNvSpPr>
-          <p:nvPr>
-            <p:ph idx="1"/>
-          </p:nvPr>
-        </p:nvSpPr>
-        <p:spPr/>
-        <p:txBody>
-          <a:bodyPr/>
-          <a:lstStyle/>
-          <a:p>
-            <a:endParaRPr lang="en-GB" dirty="0"/>
-          </a:p>
-        </p:txBody>
-      </p:sp>
-      <p:graphicFrame>
-        <p:nvGraphicFramePr>
-          <p:cNvPr id="4" name="Chart 3"/>
-          <p:cNvGraphicFramePr>
-            <a:graphicFrameLocks/>
-          </p:cNvGraphicFramePr>
-          <p:nvPr>
-            <p:extLst>
-              <p:ext uri="{D42A27DB-BD31-4B8C-83A1-F6EECF244321}">
-                <p14:modId xmlns:p14="http://schemas.microsoft.com/office/powerpoint/2010/main" val="3609012181"/>
-              </p:ext>
-            </p:extLst>
-          </p:nvPr>
-        </p:nvGraphicFramePr>
-        <p:xfrm>
-          <a:off x="3529445" y="1825625"/>
-          <a:ext cx="4600575" cy="3786187"/>
-        </p:xfrm>
-        <a:graphic>
-          <a:graphicData uri="http://schemas.openxmlformats.org/drawingml/2006/chart">
-            <c:chart xmlns:c="http://schemas.openxmlformats.org/drawingml/2006/chart" xmlns:r="http://schemas.openxmlformats.org/officeDocument/2006/relationships" r:id="rId2"/>
-          </a:graphicData>
-        </a:graphic>
-      </p:graphicFrame>
-      <mc:AlternateContent xmlns:mc="http://schemas.openxmlformats.org/markup-compatibility/2006" xmlns:a14="http://schemas.microsoft.com/office/drawing/2010/main">
-        <mc:Choice Requires="a14">
-          <p:sp>
-            <p:nvSpPr>
-              <p:cNvPr id="7" name="TextBox 6"/>
-              <p:cNvSpPr txBox="1"/>
-              <p:nvPr/>
-            </p:nvSpPr>
-            <p:spPr>
-              <a:xfrm>
-                <a:off x="1616257" y="4129876"/>
-                <a:ext cx="2154179" cy="923330"/>
-              </a:xfrm>
-              <a:prstGeom prst="rect">
-                <a:avLst/>
-              </a:prstGeom>
-              <a:noFill/>
-            </p:spPr>
-            <p:txBody>
-              <a:bodyPr wrap="none" rtlCol="0">
-                <a:spAutoFit/>
-              </a:bodyPr>
-              <a:lstStyle/>
-              <a:p>
-                <a:r>
-                  <a:rPr lang="en-GB" dirty="0" smtClean="0"/>
-                  <a:t>Trade happens</a:t>
-                </a:r>
-              </a:p>
-              <a:p>
-                <a:r>
-                  <a:rPr lang="en-GB" dirty="0" smtClean="0"/>
-                  <a:t>Causes price impact</a:t>
-                </a:r>
-              </a:p>
-              <a:p>
-                <a:r>
-                  <a:rPr lang="en-GB" dirty="0" smtClean="0"/>
-                  <a:t>Size of bar = </a:t>
-                </a:r>
-                <a14:m>
-                  <m:oMath xmlns:m="http://schemas.openxmlformats.org/officeDocument/2006/math">
-                    <m:r>
-                      <a:rPr lang="en-GB" i="1">
-                        <a:latin typeface="Cambria Math" panose="02040503050406030204" pitchFamily="18" charset="0"/>
-                      </a:rPr>
-                      <m:t>𝑓</m:t>
-                    </m:r>
-                    <m:r>
-                      <a:rPr lang="en-GB" i="1">
-                        <a:latin typeface="Cambria Math" panose="02040503050406030204" pitchFamily="18" charset="0"/>
-                      </a:rPr>
-                      <m:t>(</m:t>
-                    </m:r>
-                    <m:sSubSup>
-                      <m:sSubSupPr>
-                        <m:ctrlPr>
-                          <a:rPr lang="en-GB" i="1">
-                            <a:latin typeface="Cambria Math" panose="02040503050406030204" pitchFamily="18" charset="0"/>
-                          </a:rPr>
-                        </m:ctrlPr>
-                      </m:sSubSupPr>
-                      <m:e>
-                        <m:r>
-                          <a:rPr lang="en-GB" i="1">
-                            <a:latin typeface="Cambria Math" panose="02040503050406030204" pitchFamily="18" charset="0"/>
-                          </a:rPr>
-                          <m:t>𝑣</m:t>
-                        </m:r>
-                      </m:e>
-                      <m:sub>
-                        <m:r>
-                          <a:rPr lang="en-GB" i="1">
-                            <a:latin typeface="Cambria Math" panose="02040503050406030204" pitchFamily="18" charset="0"/>
-                          </a:rPr>
-                          <m:t>𝑘</m:t>
-                        </m:r>
-                      </m:sub>
-                      <m:sup>
-                        <m:r>
-                          <a:rPr lang="en-GB" i="1">
-                            <a:latin typeface="Cambria Math" panose="02040503050406030204" pitchFamily="18" charset="0"/>
-                          </a:rPr>
-                          <m:t>𝑛𝑜𝑟</m:t>
-                        </m:r>
-                      </m:sup>
-                    </m:sSubSup>
-                    <m:r>
-                      <a:rPr lang="en-GB" i="1">
-                        <a:latin typeface="Cambria Math" panose="02040503050406030204" pitchFamily="18" charset="0"/>
-                      </a:rPr>
-                      <m:t>)</m:t>
-                    </m:r>
-                  </m:oMath>
-                </a14:m>
-                <a:endParaRPr lang="en-GB" dirty="0"/>
-              </a:p>
-            </p:txBody>
-          </p:sp>
-        </mc:Choice>
-        <mc:Fallback xmlns="">
-          <p:sp>
-            <p:nvSpPr>
-              <p:cNvPr id="7" name="TextBox 6"/>
-              <p:cNvSpPr txBox="1">
-                <a:spLocks noRot="1" noChangeAspect="1" noMove="1" noResize="1" noEditPoints="1" noAdjustHandles="1" noChangeArrowheads="1" noChangeShapeType="1" noTextEdit="1"/>
-              </p:cNvSpPr>
-              <p:nvPr/>
-            </p:nvSpPr>
-            <p:spPr>
-              <a:xfrm>
-                <a:off x="1616257" y="4129876"/>
-                <a:ext cx="2154179" cy="923330"/>
-              </a:xfrm>
-              <a:prstGeom prst="rect">
-                <a:avLst/>
-              </a:prstGeom>
-              <a:blipFill rotWithShape="0">
-                <a:blip r:embed="rId3"/>
-                <a:stretch>
-                  <a:fillRect l="-2260" t="-3289" r="-5932" b="-9211"/>
-                </a:stretch>
-              </a:blipFill>
-            </p:spPr>
-            <p:txBody>
-              <a:bodyPr/>
-              <a:lstStyle/>
-              <a:p>
-                <a:r>
-                  <a:rPr lang="en-GB">
-                    <a:noFill/>
-                  </a:rPr>
-                  <a:t> </a:t>
-                </a:r>
-              </a:p>
-            </p:txBody>
-          </p:sp>
-        </mc:Fallback>
-      </mc:AlternateContent>
-      <p:sp>
-        <p:nvSpPr>
-          <p:cNvPr id="10" name="TextBox 9"/>
-          <p:cNvSpPr txBox="1"/>
-          <p:nvPr/>
-        </p:nvSpPr>
-        <p:spPr>
-          <a:xfrm>
-            <a:off x="6456218" y="3987357"/>
-            <a:ext cx="3005182" cy="369332"/>
-          </a:xfrm>
-          <a:prstGeom prst="rect">
-            <a:avLst/>
-          </a:prstGeom>
-          <a:noFill/>
-        </p:spPr>
-        <p:txBody>
-          <a:bodyPr wrap="none" rtlCol="0">
-            <a:spAutoFit/>
-          </a:bodyPr>
-          <a:lstStyle/>
-          <a:p>
-            <a:r>
-              <a:rPr lang="en-GB" dirty="0" smtClean="0"/>
-              <a:t>Impact decays away with time</a:t>
-            </a:r>
-            <a:endParaRPr lang="en-GB" dirty="0"/>
-          </a:p>
-        </p:txBody>
-      </p:sp>
-      <p:sp>
-        <p:nvSpPr>
-          <p:cNvPr id="11" name="Freeform 10"/>
-          <p:cNvSpPr/>
-          <p:nvPr/>
-        </p:nvSpPr>
-        <p:spPr>
-          <a:xfrm>
-            <a:off x="4291445" y="3896591"/>
-            <a:ext cx="3501737" cy="872836"/>
-          </a:xfrm>
-          <a:custGeom>
-            <a:avLst/>
-            <a:gdLst>
-              <a:gd name="connsiteX0" fmla="*/ 0 w 3429000"/>
-              <a:gd name="connsiteY0" fmla="*/ 0 h 1039091"/>
-              <a:gd name="connsiteX1" fmla="*/ 1527463 w 3429000"/>
-              <a:gd name="connsiteY1" fmla="*/ 602673 h 1039091"/>
-              <a:gd name="connsiteX2" fmla="*/ 3429000 w 3429000"/>
-              <a:gd name="connsiteY2" fmla="*/ 1039091 h 1039091"/>
-            </a:gdLst>
-            <a:ahLst/>
-            <a:cxnLst>
-              <a:cxn ang="0">
-                <a:pos x="connsiteX0" y="connsiteY0"/>
-              </a:cxn>
-              <a:cxn ang="0">
-                <a:pos x="connsiteX1" y="connsiteY1"/>
-              </a:cxn>
-              <a:cxn ang="0">
-                <a:pos x="connsiteX2" y="connsiteY2"/>
-              </a:cxn>
-            </a:cxnLst>
-            <a:rect l="l" t="t" r="r" b="b"/>
-            <a:pathLst>
-              <a:path w="3429000" h="1039091">
-                <a:moveTo>
-                  <a:pt x="0" y="0"/>
-                </a:moveTo>
-                <a:cubicBezTo>
-                  <a:pt x="477981" y="214745"/>
-                  <a:pt x="955963" y="429491"/>
-                  <a:pt x="1527463" y="602673"/>
-                </a:cubicBezTo>
-                <a:cubicBezTo>
-                  <a:pt x="2098963" y="775855"/>
-                  <a:pt x="3429000" y="1039091"/>
-                  <a:pt x="3429000" y="1039091"/>
-                </a:cubicBezTo>
-              </a:path>
-            </a:pathLst>
-          </a:custGeom>
-          <a:noFill/>
-          <a:ln>
-            <a:solidFill>
-              <a:srgbClr val="FF0000"/>
-            </a:solidFill>
-            <a:headEnd type="none" w="med" len="med"/>
-            <a:tailEnd type="triangle" w="med" len="med"/>
-          </a:ln>
-        </p:spPr>
-        <p:style>
-          <a:lnRef idx="2">
-            <a:schemeClr val="accent1">
-              <a:shade val="50000"/>
-            </a:schemeClr>
-          </a:lnRef>
-          <a:fillRef idx="1">
-            <a:schemeClr val="accent1"/>
-          </a:fillRef>
-          <a:effectRef idx="0">
-            <a:schemeClr val="accent1"/>
-          </a:effectRef>
-          <a:fontRef idx="minor">
-            <a:schemeClr val="lt1"/>
-          </a:fontRef>
-        </p:style>
-        <p:txBody>
-          <a:bodyPr rtlCol="0" anchor="ctr"/>
-          <a:lstStyle/>
-          <a:p>
-            <a:pPr algn="ctr"/>
-            <a:endParaRPr lang="en-GB"/>
-          </a:p>
-        </p:txBody>
-      </p:sp>
-      <p:sp>
-        <p:nvSpPr>
-          <p:cNvPr id="12" name="Left Brace 11"/>
-          <p:cNvSpPr/>
-          <p:nvPr/>
-        </p:nvSpPr>
-        <p:spPr>
-          <a:xfrm>
-            <a:off x="3751119" y="3932451"/>
-            <a:ext cx="166254" cy="1319645"/>
-          </a:xfrm>
-          <a:prstGeom prst="leftBrace">
-            <a:avLst/>
-          </a:prstGeom>
-          <a:ln>
-            <a:solidFill>
-              <a:srgbClr val="FF0000"/>
-            </a:solidFill>
-          </a:ln>
-        </p:spPr>
-        <p:style>
-          <a:lnRef idx="1">
-            <a:schemeClr val="accent1"/>
-          </a:lnRef>
-          <a:fillRef idx="0">
-            <a:schemeClr val="accent1"/>
-          </a:fillRef>
-          <a:effectRef idx="0">
-            <a:schemeClr val="accent1"/>
-          </a:effectRef>
-          <a:fontRef idx="minor">
-            <a:schemeClr val="tx1"/>
-          </a:fontRef>
-        </p:style>
-        <p:txBody>
-          <a:bodyPr rtlCol="0" anchor="ctr"/>
-          <a:lstStyle/>
-          <a:p>
-            <a:pPr algn="ctr"/>
-            <a:endParaRPr lang="en-GB"/>
-          </a:p>
-        </p:txBody>
-      </p:sp>
-    </p:spTree>
-    <p:extLst>
-      <p:ext uri="{BB962C8B-B14F-4D97-AF65-F5344CB8AC3E}">
-        <p14:creationId xmlns:p14="http://schemas.microsoft.com/office/powerpoint/2010/main" val="3583921487"/>
-      </p:ext>
-    </p:extLst>
-  </p:cSld>
-  <p:clrMapOvr>
-    <a:masterClrMapping/>
-  </p:clrMapOvr>
-  <p:timing>
-    <p:tnLst>
-      <p:par>
-        <p:cTn id="1" dur="indefinite" restart="never" nodeType="tmRoot"/>
-      </p:par>
-    </p:tnLst>
-  </p:timing>
-</p:sld>
-</file>
-
-<file path=ppt/slides/slide15.xml><?xml version="1.0" encoding="utf-8"?>
-<p:sld xmlns:a="http://schemas.openxmlformats.org/drawingml/2006/main" xmlns:r="http://schemas.openxmlformats.org/officeDocument/2006/relationships" xmlns:p="http://schemas.openxmlformats.org/presentationml/2006/main">
-  <p:cSld>
-    <p:spTree>
-      <p:nvGrpSpPr>
-        <p:cNvPr id="1" name=""/>
-        <p:cNvGrpSpPr/>
-        <p:nvPr/>
-      </p:nvGrpSpPr>
-      <p:grpSpPr>
-        <a:xfrm>
-          <a:off x="0" y="0"/>
-          <a:ext cx="0" cy="0"/>
-          <a:chOff x="0" y="0"/>
-          <a:chExt cx="0" cy="0"/>
-        </a:xfrm>
-      </p:grpSpPr>
-      <p:sp>
-        <p:nvSpPr>
-          <p:cNvPr id="2" name="Title 1"/>
-          <p:cNvSpPr>
-            <a:spLocks noGrp="1"/>
-          </p:cNvSpPr>
-          <p:nvPr>
-            <p:ph type="title"/>
-          </p:nvPr>
-        </p:nvSpPr>
-        <p:spPr/>
-        <p:txBody>
-          <a:bodyPr/>
-          <a:lstStyle/>
-          <a:p>
-            <a:r>
-              <a:rPr lang="en-GB" dirty="0"/>
-              <a:t>Calibration of the propagator </a:t>
-            </a:r>
-          </a:p>
-        </p:txBody>
-      </p:sp>
-      <mc:AlternateContent xmlns:mc="http://schemas.openxmlformats.org/markup-compatibility/2006" xmlns:a14="http://schemas.microsoft.com/office/drawing/2010/main">
-        <mc:Choice Requires="a14">
-          <p:sp>
-            <p:nvSpPr>
-              <p:cNvPr id="4" name="Rectangle 3"/>
-              <p:cNvSpPr/>
-              <p:nvPr/>
-            </p:nvSpPr>
-            <p:spPr>
-              <a:xfrm>
-                <a:off x="4118840" y="3413593"/>
-                <a:ext cx="3530647" cy="1056379"/>
-              </a:xfrm>
-              <a:prstGeom prst="rect">
-                <a:avLst/>
-              </a:prstGeom>
-            </p:spPr>
-            <p:txBody>
-              <a:bodyPr wrap="none">
-                <a:spAutoFit/>
-              </a:bodyPr>
-              <a:lstStyle/>
-              <a:p>
-                <a:pPr/>
-                <a14:m>
-                  <m:oMathPara xmlns:m="http://schemas.openxmlformats.org/officeDocument/2006/math">
-                    <m:oMathParaPr>
-                      <m:jc m:val="centerGroup"/>
-                    </m:oMathParaPr>
-                    <m:oMath xmlns:m="http://schemas.openxmlformats.org/officeDocument/2006/math">
-                      <m:sSub>
-                        <m:sSubPr>
-                          <m:ctrlPr>
-                            <a:rPr lang="en-GB" sz="2200" i="1" smtClean="0">
-                              <a:latin typeface="Cambria Math" panose="02040503050406030204" pitchFamily="18" charset="0"/>
-                            </a:rPr>
-                          </m:ctrlPr>
-                        </m:sSubPr>
-                        <m:e>
-                          <m:r>
-                            <a:rPr lang="en-GB" sz="2200" b="0" i="1" smtClean="0">
-                              <a:latin typeface="Cambria Math" panose="02040503050406030204" pitchFamily="18" charset="0"/>
-                            </a:rPr>
-                            <m:t>𝑟</m:t>
-                          </m:r>
-                        </m:e>
-                        <m:sub>
-                          <m:r>
-                            <a:rPr lang="en-GB" sz="2200" i="1">
-                              <a:latin typeface="Cambria Math" panose="02040503050406030204" pitchFamily="18" charset="0"/>
-                            </a:rPr>
-                            <m:t>𝑗</m:t>
-                          </m:r>
-                        </m:sub>
-                      </m:sSub>
-                      <m:r>
-                        <a:rPr lang="en-GB" sz="2200" i="1">
-                          <a:latin typeface="Cambria Math" panose="02040503050406030204" pitchFamily="18" charset="0"/>
-                        </a:rPr>
-                        <m:t>=</m:t>
-                      </m:r>
-                      <m:r>
-                        <m:rPr>
-                          <m:nor/>
-                        </m:rPr>
-                        <a:rPr lang="en-GB" sz="2200">
-                          <a:latin typeface="Cambria Math" panose="02040503050406030204" pitchFamily="18" charset="0"/>
-                        </a:rPr>
-                        <m:t> </m:t>
-                      </m:r>
-                      <m:nary>
-                        <m:naryPr>
-                          <m:chr m:val="∑"/>
-                          <m:ctrlPr>
-                            <a:rPr lang="en-GB" sz="2200" i="1">
-                              <a:latin typeface="Cambria Math" panose="02040503050406030204" pitchFamily="18" charset="0"/>
-                            </a:rPr>
-                          </m:ctrlPr>
-                        </m:naryPr>
-                        <m:sub>
-                          <m:r>
-                            <m:rPr>
-                              <m:brk m:alnAt="23"/>
-                            </m:rPr>
-                            <a:rPr lang="en-GB" sz="2200" i="1">
-                              <a:latin typeface="Cambria Math" panose="02040503050406030204" pitchFamily="18" charset="0"/>
-                            </a:rPr>
-                            <m:t>𝑘</m:t>
-                          </m:r>
-                          <m:r>
-                            <a:rPr lang="en-GB" sz="2200" i="1">
-                              <a:latin typeface="Cambria Math" panose="02040503050406030204" pitchFamily="18" charset="0"/>
-                            </a:rPr>
-                            <m:t>=0</m:t>
-                          </m:r>
-                        </m:sub>
-                        <m:sup>
-                          <m:r>
-                            <a:rPr lang="en-GB" sz="2200" i="1">
-                              <a:latin typeface="Cambria Math" panose="02040503050406030204" pitchFamily="18" charset="0"/>
-                            </a:rPr>
-                            <m:t>𝑗</m:t>
-                          </m:r>
-                          <m:r>
-                            <a:rPr lang="en-GB" sz="2200" i="1">
-                              <a:latin typeface="Cambria Math" panose="02040503050406030204" pitchFamily="18" charset="0"/>
-                            </a:rPr>
-                            <m:t>−1</m:t>
-                          </m:r>
-                        </m:sup>
-                        <m:e>
-                          <m:r>
-                            <a:rPr lang="en-GB" sz="2200" i="1">
-                              <a:latin typeface="Cambria Math" panose="02040503050406030204" pitchFamily="18" charset="0"/>
-                            </a:rPr>
-                            <m:t>𝑔</m:t>
-                          </m:r>
-                          <m:d>
-                            <m:dPr>
-                              <m:ctrlPr>
-                                <a:rPr lang="en-GB" sz="2200" i="1">
-                                  <a:latin typeface="Cambria Math" panose="02040503050406030204" pitchFamily="18" charset="0"/>
-                                </a:rPr>
-                              </m:ctrlPr>
-                            </m:dPr>
-                            <m:e>
-                              <m:r>
-                                <a:rPr lang="en-GB" sz="2200" i="1">
-                                  <a:latin typeface="Cambria Math" panose="02040503050406030204" pitchFamily="18" charset="0"/>
-                                </a:rPr>
-                                <m:t>𝑘</m:t>
-                              </m:r>
-                            </m:e>
-                          </m:d>
-                          <m:r>
-                            <a:rPr lang="en-GB" sz="2200" i="1">
-                              <a:latin typeface="Cambria Math" panose="02040503050406030204" pitchFamily="18" charset="0"/>
-                            </a:rPr>
-                            <m:t>𝑓</m:t>
-                          </m:r>
-                          <m:r>
-                            <a:rPr lang="en-GB" sz="2200" i="1">
-                              <a:latin typeface="Cambria Math" panose="02040503050406030204" pitchFamily="18" charset="0"/>
-                            </a:rPr>
-                            <m:t>(</m:t>
-                          </m:r>
-                          <m:sSubSup>
-                            <m:sSubSupPr>
-                              <m:ctrlPr>
-                                <a:rPr lang="en-GB" sz="2200" i="1">
-                                  <a:latin typeface="Cambria Math" panose="02040503050406030204" pitchFamily="18" charset="0"/>
-                                </a:rPr>
-                              </m:ctrlPr>
-                            </m:sSubSupPr>
-                            <m:e>
-                              <m:r>
-                                <a:rPr lang="en-GB" sz="2200" i="1">
-                                  <a:latin typeface="Cambria Math" panose="02040503050406030204" pitchFamily="18" charset="0"/>
-                                </a:rPr>
-                                <m:t>𝑣</m:t>
-                              </m:r>
-                            </m:e>
-                            <m:sub>
-                              <m:r>
-                                <a:rPr lang="en-GB" sz="2200" b="0" i="1" smtClean="0">
-                                  <a:latin typeface="Cambria Math" panose="02040503050406030204" pitchFamily="18" charset="0"/>
-                                </a:rPr>
-                                <m:t>𝑗</m:t>
-                              </m:r>
-                              <m:r>
-                                <a:rPr lang="en-GB" sz="2200" b="0" i="1" smtClean="0">
-                                  <a:latin typeface="Cambria Math" panose="02040503050406030204" pitchFamily="18" charset="0"/>
-                                </a:rPr>
-                                <m:t>−</m:t>
-                              </m:r>
-                              <m:r>
-                                <a:rPr lang="en-GB" sz="2200" i="1">
-                                  <a:latin typeface="Cambria Math" panose="02040503050406030204" pitchFamily="18" charset="0"/>
-                                </a:rPr>
-                                <m:t>𝑘</m:t>
-                              </m:r>
-                            </m:sub>
-                            <m:sup>
-                              <m:r>
-                                <a:rPr lang="en-GB" sz="2200" i="1">
-                                  <a:latin typeface="Cambria Math" panose="02040503050406030204" pitchFamily="18" charset="0"/>
-                                </a:rPr>
-                                <m:t>𝑛𝑜𝑟</m:t>
-                              </m:r>
-                            </m:sup>
-                          </m:sSubSup>
-                          <m:r>
-                            <a:rPr lang="en-GB" sz="2200" i="1">
-                              <a:latin typeface="Cambria Math" panose="02040503050406030204" pitchFamily="18" charset="0"/>
-                            </a:rPr>
-                            <m:t>)</m:t>
-                          </m:r>
-                        </m:e>
-                      </m:nary>
-                      <m:r>
-                        <a:rPr lang="en-GB" sz="2200" b="0" i="1" smtClean="0">
-                          <a:latin typeface="Cambria Math" panose="02040503050406030204" pitchFamily="18" charset="0"/>
-                        </a:rPr>
-                        <m:t>+</m:t>
-                      </m:r>
-                      <m:sSub>
-                        <m:sSubPr>
-                          <m:ctrlPr>
-                            <a:rPr lang="en-GB" sz="2200" i="1">
-                              <a:latin typeface="Cambria Math" panose="02040503050406030204" pitchFamily="18" charset="0"/>
-                            </a:rPr>
-                          </m:ctrlPr>
-                        </m:sSubPr>
-                        <m:e>
-                          <m:r>
-                            <a:rPr lang="el-GR" sz="2200" i="1">
-                              <a:latin typeface="Cambria Math" panose="02040503050406030204" pitchFamily="18" charset="0"/>
-                            </a:rPr>
-                            <m:t>𝜂</m:t>
-                          </m:r>
-                        </m:e>
-                        <m:sub>
-                          <m:r>
-                            <a:rPr lang="en-GB" sz="2200" i="1">
-                              <a:latin typeface="Cambria Math" panose="02040503050406030204" pitchFamily="18" charset="0"/>
-                            </a:rPr>
-                            <m:t>𝑘</m:t>
-                          </m:r>
-                        </m:sub>
-                      </m:sSub>
-                    </m:oMath>
-                  </m:oMathPara>
-                </a14:m>
-                <a:endParaRPr lang="en-GB" sz="2200" dirty="0"/>
-              </a:p>
-            </p:txBody>
-          </p:sp>
-        </mc:Choice>
-        <mc:Fallback xmlns="">
-          <p:sp>
-            <p:nvSpPr>
-              <p:cNvPr id="4" name="Rectangle 3"/>
-              <p:cNvSpPr>
-                <a:spLocks noRot="1" noChangeAspect="1" noMove="1" noResize="1" noEditPoints="1" noAdjustHandles="1" noChangeArrowheads="1" noChangeShapeType="1" noTextEdit="1"/>
-              </p:cNvSpPr>
-              <p:nvPr/>
-            </p:nvSpPr>
-            <p:spPr>
-              <a:xfrm>
-                <a:off x="4118840" y="3413593"/>
-                <a:ext cx="3530647" cy="1056379"/>
-              </a:xfrm>
-              <a:prstGeom prst="rect">
-                <a:avLst/>
-              </a:prstGeom>
-              <a:blipFill rotWithShape="0">
-                <a:blip r:embed="rId2"/>
-                <a:stretch>
-                  <a:fillRect/>
-                </a:stretch>
-              </a:blipFill>
-            </p:spPr>
-            <p:txBody>
-              <a:bodyPr/>
-              <a:lstStyle/>
-              <a:p>
-                <a:r>
-                  <a:rPr lang="en-GB">
-                    <a:noFill/>
-                  </a:rPr>
-                  <a:t> </a:t>
-                </a:r>
-              </a:p>
-            </p:txBody>
-          </p:sp>
-        </mc:Fallback>
-      </mc:AlternateContent>
-      <p:sp>
-        <p:nvSpPr>
-          <p:cNvPr id="20" name="Oval 19"/>
-          <p:cNvSpPr/>
-          <p:nvPr/>
-        </p:nvSpPr>
-        <p:spPr>
-          <a:xfrm>
-            <a:off x="5289177" y="3756031"/>
-            <a:ext cx="663388" cy="442666"/>
-          </a:xfrm>
-          <a:prstGeom prst="ellipse">
-            <a:avLst/>
-          </a:prstGeom>
-          <a:noFill/>
-          <a:ln>
-            <a:solidFill>
-              <a:srgbClr val="FF0000"/>
-            </a:solidFill>
-          </a:ln>
-        </p:spPr>
-        <p:style>
-          <a:lnRef idx="2">
-            <a:schemeClr val="accent1">
-              <a:shade val="50000"/>
-            </a:schemeClr>
-          </a:lnRef>
-          <a:fillRef idx="1">
-            <a:schemeClr val="accent1"/>
-          </a:fillRef>
-          <a:effectRef idx="0">
-            <a:schemeClr val="accent1"/>
-          </a:effectRef>
-          <a:fontRef idx="minor">
-            <a:schemeClr val="lt1"/>
-          </a:fontRef>
-        </p:style>
-        <p:txBody>
-          <a:bodyPr rtlCol="0" anchor="ctr"/>
-          <a:lstStyle/>
-          <a:p>
-            <a:pPr algn="ctr"/>
-            <a:endParaRPr lang="en-GB"/>
-          </a:p>
-        </p:txBody>
-      </p:sp>
-      <p:cxnSp>
-        <p:nvCxnSpPr>
-          <p:cNvPr id="21" name="Straight Arrow Connector 20"/>
-          <p:cNvCxnSpPr>
-            <a:stCxn id="20" idx="4"/>
-          </p:cNvCxnSpPr>
-          <p:nvPr/>
-        </p:nvCxnSpPr>
-        <p:spPr>
-          <a:xfrm flipH="1">
-            <a:off x="5199531" y="4198697"/>
-            <a:ext cx="421340" cy="557908"/>
-          </a:xfrm>
-          <a:prstGeom prst="straightConnector1">
-            <a:avLst/>
-          </a:prstGeom>
-          <a:ln>
-            <a:solidFill>
-              <a:srgbClr val="FF0000"/>
-            </a:solidFill>
-            <a:tailEnd type="triangle"/>
-          </a:ln>
-        </p:spPr>
-        <p:style>
-          <a:lnRef idx="1">
-            <a:schemeClr val="accent1"/>
-          </a:lnRef>
-          <a:fillRef idx="0">
-            <a:schemeClr val="accent1"/>
-          </a:fillRef>
-          <a:effectRef idx="0">
-            <a:schemeClr val="accent1"/>
-          </a:effectRef>
-          <a:fontRef idx="minor">
-            <a:schemeClr val="tx1"/>
-          </a:fontRef>
-        </p:style>
-      </p:cxnSp>
-      <mc:AlternateContent xmlns:mc="http://schemas.openxmlformats.org/markup-compatibility/2006" xmlns:a14="http://schemas.microsoft.com/office/drawing/2010/main">
-        <mc:Choice Requires="a14">
-          <p:sp>
-            <p:nvSpPr>
-              <p:cNvPr id="26" name="TextBox 25"/>
-              <p:cNvSpPr txBox="1"/>
-              <p:nvPr/>
-            </p:nvSpPr>
-            <p:spPr>
-              <a:xfrm>
-                <a:off x="2925134" y="4682340"/>
-                <a:ext cx="3279424" cy="1200329"/>
-              </a:xfrm>
-              <a:prstGeom prst="rect">
-                <a:avLst/>
-              </a:prstGeom>
-              <a:noFill/>
-            </p:spPr>
-            <p:txBody>
-              <a:bodyPr wrap="none" rtlCol="0">
-                <a:spAutoFit/>
-              </a:bodyPr>
-              <a:lstStyle/>
-              <a:p>
-                <a14:m>
-                  <m:oMath xmlns:m="http://schemas.openxmlformats.org/officeDocument/2006/math">
-                    <m:r>
-                      <a:rPr lang="en-GB" i="1">
-                        <a:latin typeface="Cambria Math" panose="02040503050406030204" pitchFamily="18" charset="0"/>
-                      </a:rPr>
-                      <m:t>𝑔</m:t>
-                    </m:r>
-                    <m:d>
-                      <m:dPr>
-                        <m:ctrlPr>
-                          <a:rPr lang="en-GB" i="1">
-                            <a:latin typeface="Cambria Math" panose="02040503050406030204" pitchFamily="18" charset="0"/>
-                          </a:rPr>
-                        </m:ctrlPr>
-                      </m:dPr>
-                      <m:e>
-                        <m:r>
-                          <a:rPr lang="en-GB" i="1">
-                            <a:latin typeface="Cambria Math" panose="02040503050406030204" pitchFamily="18" charset="0"/>
-                          </a:rPr>
-                          <m:t>𝑘</m:t>
-                        </m:r>
-                      </m:e>
-                    </m:d>
-                    <m:r>
-                      <a:rPr lang="en-GB" i="1">
-                        <a:latin typeface="Cambria Math" panose="02040503050406030204" pitchFamily="18" charset="0"/>
-                        <a:ea typeface="Cambria Math" panose="02040503050406030204" pitchFamily="18" charset="0"/>
-                      </a:rPr>
-                      <m:t>≡</m:t>
-                    </m:r>
-                    <m:sSub>
-                      <m:sSubPr>
-                        <m:ctrlPr>
-                          <a:rPr lang="en-GB" i="1">
-                            <a:latin typeface="Cambria Math" panose="02040503050406030204" pitchFamily="18" charset="0"/>
-                          </a:rPr>
-                        </m:ctrlPr>
-                      </m:sSubPr>
-                      <m:e>
-                        <m:r>
-                          <a:rPr lang="en-GB" i="1">
-                            <a:latin typeface="Cambria Math" panose="02040503050406030204" pitchFamily="18" charset="0"/>
-                          </a:rPr>
-                          <m:t>𝐺</m:t>
-                        </m:r>
-                      </m:e>
-                      <m:sub>
-                        <m:r>
-                          <a:rPr lang="en-GB" i="1">
-                            <a:latin typeface="Cambria Math" panose="02040503050406030204" pitchFamily="18" charset="0"/>
-                          </a:rPr>
-                          <m:t>0</m:t>
-                        </m:r>
-                      </m:sub>
-                    </m:sSub>
-                    <m:d>
-                      <m:dPr>
-                        <m:ctrlPr>
-                          <a:rPr lang="en-GB" i="1">
-                            <a:latin typeface="Cambria Math" panose="02040503050406030204" pitchFamily="18" charset="0"/>
-                          </a:rPr>
-                        </m:ctrlPr>
-                      </m:dPr>
-                      <m:e>
-                        <m:r>
-                          <a:rPr lang="en-GB" i="1">
-                            <a:latin typeface="Cambria Math" panose="02040503050406030204" pitchFamily="18" charset="0"/>
-                          </a:rPr>
-                          <m:t>𝑘</m:t>
-                        </m:r>
-                        <m:r>
-                          <a:rPr lang="en-GB" i="1">
-                            <a:latin typeface="Cambria Math" panose="02040503050406030204" pitchFamily="18" charset="0"/>
-                          </a:rPr>
-                          <m:t>+1</m:t>
-                        </m:r>
-                      </m:e>
-                    </m:d>
-                    <m:r>
-                      <a:rPr lang="en-GB" i="1">
-                        <a:latin typeface="Cambria Math" panose="02040503050406030204" pitchFamily="18" charset="0"/>
-                      </a:rPr>
-                      <m:t>−</m:t>
-                    </m:r>
-                    <m:sSub>
-                      <m:sSubPr>
-                        <m:ctrlPr>
-                          <a:rPr lang="en-GB" i="1">
-                            <a:latin typeface="Cambria Math" panose="02040503050406030204" pitchFamily="18" charset="0"/>
-                          </a:rPr>
-                        </m:ctrlPr>
-                      </m:sSubPr>
-                      <m:e>
-                        <m:r>
-                          <a:rPr lang="en-GB" i="1">
-                            <a:latin typeface="Cambria Math" panose="02040503050406030204" pitchFamily="18" charset="0"/>
-                          </a:rPr>
-                          <m:t>𝐺</m:t>
-                        </m:r>
-                      </m:e>
-                      <m:sub>
-                        <m:r>
-                          <a:rPr lang="en-GB" i="1">
-                            <a:latin typeface="Cambria Math" panose="02040503050406030204" pitchFamily="18" charset="0"/>
-                          </a:rPr>
-                          <m:t>0</m:t>
-                        </m:r>
-                      </m:sub>
-                    </m:sSub>
-                    <m:d>
-                      <m:dPr>
-                        <m:ctrlPr>
-                          <a:rPr lang="en-GB" i="1">
-                            <a:latin typeface="Cambria Math" panose="02040503050406030204" pitchFamily="18" charset="0"/>
-                          </a:rPr>
-                        </m:ctrlPr>
-                      </m:dPr>
-                      <m:e>
-                        <m:r>
-                          <a:rPr lang="en-GB" i="1">
-                            <a:latin typeface="Cambria Math" panose="02040503050406030204" pitchFamily="18" charset="0"/>
-                          </a:rPr>
-                          <m:t>𝑘</m:t>
-                        </m:r>
-                      </m:e>
-                    </m:d>
-                  </m:oMath>
-                </a14:m>
-                <a:r>
-                  <a:rPr lang="en-GB" dirty="0" smtClean="0"/>
-                  <a:t> </a:t>
-                </a:r>
-              </a:p>
-              <a:p>
-                <a:r>
-                  <a:rPr lang="en-GB" dirty="0" smtClean="0"/>
-                  <a:t>and </a:t>
-                </a:r>
-                <a14:m>
-                  <m:oMath xmlns:m="http://schemas.openxmlformats.org/officeDocument/2006/math">
-                    <m:sSub>
-                      <m:sSubPr>
-                        <m:ctrlPr>
-                          <a:rPr lang="en-GB" i="1">
-                            <a:latin typeface="Cambria Math" panose="02040503050406030204" pitchFamily="18" charset="0"/>
-                          </a:rPr>
-                        </m:ctrlPr>
-                      </m:sSubPr>
-                      <m:e>
-                        <m:r>
-                          <a:rPr lang="en-GB" i="1">
-                            <a:latin typeface="Cambria Math" panose="02040503050406030204" pitchFamily="18" charset="0"/>
-                          </a:rPr>
-                          <m:t> </m:t>
-                        </m:r>
-                        <m:r>
-                          <a:rPr lang="en-GB" i="1">
-                            <a:latin typeface="Cambria Math" panose="02040503050406030204" pitchFamily="18" charset="0"/>
-                          </a:rPr>
-                          <m:t>𝐺</m:t>
-                        </m:r>
-                      </m:e>
-                      <m:sub>
-                        <m:r>
-                          <a:rPr lang="en-GB" i="1">
-                            <a:latin typeface="Cambria Math" panose="02040503050406030204" pitchFamily="18" charset="0"/>
-                          </a:rPr>
-                          <m:t>0</m:t>
-                        </m:r>
-                      </m:sub>
-                    </m:sSub>
-                    <m:d>
-                      <m:dPr>
-                        <m:ctrlPr>
-                          <a:rPr lang="en-GB" i="1">
-                            <a:latin typeface="Cambria Math" panose="02040503050406030204" pitchFamily="18" charset="0"/>
-                          </a:rPr>
-                        </m:ctrlPr>
-                      </m:dPr>
-                      <m:e>
-                        <m:r>
-                          <a:rPr lang="en-GB" i="1">
-                            <a:latin typeface="Cambria Math" panose="02040503050406030204" pitchFamily="18" charset="0"/>
-                          </a:rPr>
-                          <m:t>0</m:t>
-                        </m:r>
-                      </m:e>
-                    </m:d>
-                    <m:r>
-                      <a:rPr lang="en-GB" i="1">
-                        <a:latin typeface="Cambria Math" panose="02040503050406030204" pitchFamily="18" charset="0"/>
-                      </a:rPr>
-                      <m:t>=0</m:t>
-                    </m:r>
-                  </m:oMath>
-                </a14:m>
-                <a:endParaRPr lang="en-GB" dirty="0" smtClean="0"/>
-              </a:p>
-              <a:p>
-                <a:endParaRPr lang="en-GB" dirty="0"/>
-              </a:p>
-              <a:p>
-                <a:r>
-                  <a:rPr lang="en-GB" dirty="0" smtClean="0"/>
-                  <a:t>i.e. it becomes the factor loadings</a:t>
-                </a:r>
-                <a:endParaRPr lang="en-GB" dirty="0"/>
-              </a:p>
-            </p:txBody>
-          </p:sp>
-        </mc:Choice>
-        <mc:Fallback xmlns="">
-          <p:sp>
-            <p:nvSpPr>
-              <p:cNvPr id="26" name="TextBox 25"/>
-              <p:cNvSpPr txBox="1">
-                <a:spLocks noRot="1" noChangeAspect="1" noMove="1" noResize="1" noEditPoints="1" noAdjustHandles="1" noChangeArrowheads="1" noChangeShapeType="1" noTextEdit="1"/>
-              </p:cNvSpPr>
-              <p:nvPr/>
-            </p:nvSpPr>
-            <p:spPr>
-              <a:xfrm>
-                <a:off x="2925134" y="4682340"/>
-                <a:ext cx="3279424" cy="1200329"/>
-              </a:xfrm>
-              <a:prstGeom prst="rect">
-                <a:avLst/>
-              </a:prstGeom>
-              <a:blipFill rotWithShape="0">
-                <a:blip r:embed="rId3"/>
-                <a:stretch>
-                  <a:fillRect l="-1673" r="-929" b="-7107"/>
-                </a:stretch>
-              </a:blipFill>
-            </p:spPr>
-            <p:txBody>
-              <a:bodyPr/>
-              <a:lstStyle/>
-              <a:p>
-                <a:r>
-                  <a:rPr lang="en-GB">
-                    <a:noFill/>
-                  </a:rPr>
-                  <a:t> </a:t>
-                </a:r>
-              </a:p>
-            </p:txBody>
-          </p:sp>
-        </mc:Fallback>
-      </mc:AlternateContent>
-      <p:sp>
-        <p:nvSpPr>
-          <p:cNvPr id="29" name="Right Brace 28"/>
-          <p:cNvSpPr/>
-          <p:nvPr/>
-        </p:nvSpPr>
-        <p:spPr>
-          <a:xfrm rot="16200000">
-            <a:off x="5774761" y="2487315"/>
-            <a:ext cx="224117" cy="1888578"/>
-          </a:xfrm>
-          <a:prstGeom prst="rightBrace">
-            <a:avLst/>
-          </a:prstGeom>
-          <a:ln>
-            <a:solidFill>
-              <a:srgbClr val="FF0000"/>
-            </a:solidFill>
-          </a:ln>
-        </p:spPr>
-        <p:style>
-          <a:lnRef idx="1">
-            <a:schemeClr val="accent1"/>
-          </a:lnRef>
-          <a:fillRef idx="0">
-            <a:schemeClr val="accent1"/>
-          </a:fillRef>
-          <a:effectRef idx="0">
-            <a:schemeClr val="accent1"/>
-          </a:effectRef>
-          <a:fontRef idx="minor">
-            <a:schemeClr val="tx1"/>
-          </a:fontRef>
-        </p:style>
-        <p:txBody>
-          <a:bodyPr rtlCol="0" anchor="ctr"/>
-          <a:lstStyle/>
-          <a:p>
-            <a:pPr algn="ctr"/>
-            <a:endParaRPr lang="en-GB"/>
-          </a:p>
-        </p:txBody>
-      </p:sp>
-      <p:sp>
-        <p:nvSpPr>
-          <p:cNvPr id="30" name="TextBox 29"/>
-          <p:cNvSpPr txBox="1"/>
-          <p:nvPr/>
-        </p:nvSpPr>
-        <p:spPr>
-          <a:xfrm>
-            <a:off x="4956665" y="3049981"/>
-            <a:ext cx="1854995" cy="369332"/>
-          </a:xfrm>
-          <a:prstGeom prst="rect">
-            <a:avLst/>
-          </a:prstGeom>
-          <a:noFill/>
-        </p:spPr>
-        <p:txBody>
-          <a:bodyPr wrap="none" rtlCol="0">
-            <a:spAutoFit/>
-          </a:bodyPr>
-          <a:lstStyle/>
-          <a:p>
-            <a:pPr algn="ctr"/>
-            <a:r>
-              <a:rPr lang="en-GB" dirty="0" smtClean="0"/>
-              <a:t>Run this regression</a:t>
-            </a:r>
-            <a:endParaRPr lang="en-GB" dirty="0"/>
-          </a:p>
-        </p:txBody>
-      </p:sp>
-      <p:sp>
-        <p:nvSpPr>
-          <p:cNvPr id="31" name="TextBox 30"/>
-          <p:cNvSpPr txBox="1"/>
-          <p:nvPr/>
-        </p:nvSpPr>
-        <p:spPr>
-          <a:xfrm>
-            <a:off x="8657457" y="3812845"/>
-            <a:ext cx="562975" cy="369332"/>
-          </a:xfrm>
-          <a:prstGeom prst="rect">
-            <a:avLst/>
-          </a:prstGeom>
-          <a:noFill/>
-        </p:spPr>
-        <p:txBody>
-          <a:bodyPr wrap="none" rtlCol="0">
-            <a:spAutoFit/>
-          </a:bodyPr>
-          <a:lstStyle/>
-          <a:p>
-            <a:r>
-              <a:rPr lang="en-GB" dirty="0" smtClean="0"/>
-              <a:t>(24)</a:t>
-            </a:r>
-            <a:endParaRPr lang="en-GB" dirty="0"/>
-          </a:p>
-        </p:txBody>
-      </p:sp>
-      <p:sp>
-        <p:nvSpPr>
-          <p:cNvPr id="35" name="Oval 34"/>
-          <p:cNvSpPr/>
-          <p:nvPr/>
-        </p:nvSpPr>
-        <p:spPr>
-          <a:xfrm>
-            <a:off x="5952565" y="3756031"/>
-            <a:ext cx="1007969" cy="426146"/>
-          </a:xfrm>
-          <a:prstGeom prst="ellipse">
-            <a:avLst/>
-          </a:prstGeom>
-          <a:noFill/>
-          <a:ln>
-            <a:solidFill>
-              <a:srgbClr val="FF0000"/>
-            </a:solidFill>
-          </a:ln>
-        </p:spPr>
-        <p:style>
-          <a:lnRef idx="2">
-            <a:schemeClr val="accent1">
-              <a:shade val="50000"/>
-            </a:schemeClr>
-          </a:lnRef>
-          <a:fillRef idx="1">
-            <a:schemeClr val="accent1"/>
-          </a:fillRef>
-          <a:effectRef idx="0">
-            <a:schemeClr val="accent1"/>
-          </a:effectRef>
-          <a:fontRef idx="minor">
-            <a:schemeClr val="lt1"/>
-          </a:fontRef>
-        </p:style>
-        <p:txBody>
-          <a:bodyPr rtlCol="0" anchor="ctr"/>
-          <a:lstStyle/>
-          <a:p>
-            <a:pPr algn="ctr"/>
-            <a:endParaRPr lang="en-GB"/>
-          </a:p>
-        </p:txBody>
-      </p:sp>
-      <p:cxnSp>
-        <p:nvCxnSpPr>
-          <p:cNvPr id="36" name="Straight Arrow Connector 35"/>
-          <p:cNvCxnSpPr>
-            <a:stCxn id="35" idx="4"/>
-          </p:cNvCxnSpPr>
-          <p:nvPr/>
-        </p:nvCxnSpPr>
-        <p:spPr>
-          <a:xfrm>
-            <a:off x="6456550" y="4182177"/>
-            <a:ext cx="876579" cy="596199"/>
-          </a:xfrm>
-          <a:prstGeom prst="straightConnector1">
-            <a:avLst/>
-          </a:prstGeom>
-          <a:ln>
-            <a:solidFill>
-              <a:srgbClr val="FF0000"/>
-            </a:solidFill>
-            <a:tailEnd type="triangle"/>
-          </a:ln>
-        </p:spPr>
-        <p:style>
-          <a:lnRef idx="1">
-            <a:schemeClr val="accent1"/>
-          </a:lnRef>
-          <a:fillRef idx="0">
-            <a:schemeClr val="accent1"/>
-          </a:fillRef>
-          <a:effectRef idx="0">
-            <a:schemeClr val="accent1"/>
-          </a:effectRef>
-          <a:fontRef idx="minor">
-            <a:schemeClr val="tx1"/>
-          </a:fontRef>
-        </p:style>
-      </p:cxnSp>
-      <p:sp>
-        <p:nvSpPr>
-          <p:cNvPr id="38" name="TextBox 37"/>
-          <p:cNvSpPr txBox="1"/>
-          <p:nvPr/>
-        </p:nvSpPr>
-        <p:spPr>
-          <a:xfrm>
-            <a:off x="6529096" y="4682340"/>
-            <a:ext cx="2833789" cy="369332"/>
-          </a:xfrm>
-          <a:prstGeom prst="rect">
-            <a:avLst/>
-          </a:prstGeom>
-          <a:noFill/>
-        </p:spPr>
-        <p:txBody>
-          <a:bodyPr wrap="none" rtlCol="0">
-            <a:spAutoFit/>
-          </a:bodyPr>
-          <a:lstStyle/>
-          <a:p>
-            <a:r>
-              <a:rPr lang="en-GB" dirty="0" smtClean="0"/>
-              <a:t>We observe this from before</a:t>
-            </a:r>
-            <a:endParaRPr lang="en-GB" dirty="0"/>
-          </a:p>
-        </p:txBody>
-      </p:sp>
-    </p:spTree>
-    <p:extLst>
-      <p:ext uri="{BB962C8B-B14F-4D97-AF65-F5344CB8AC3E}">
-        <p14:creationId xmlns:p14="http://schemas.microsoft.com/office/powerpoint/2010/main" val="1988373496"/>
-      </p:ext>
-    </p:extLst>
-  </p:cSld>
-  <p:clrMapOvr>
-    <a:masterClrMapping/>
-  </p:clrMapOvr>
-  <p:timing>
-    <p:tnLst>
-      <p:par>
-        <p:cTn id="1" dur="indefinite" restart="never" nodeType="tmRoot"/>
-      </p:par>
-    </p:tnLst>
-  </p:timing>
-</p:sld>
-</file>
-
-<file path=ppt/slides/slide16.xml><?xml version="1.0" encoding="utf-8"?>
+<file path=ppt/slides/slide17.xml><?xml version="1.0" encoding="utf-8"?>
 <p:sld xmlns:a="http://schemas.openxmlformats.org/drawingml/2006/main" xmlns:r="http://schemas.openxmlformats.org/officeDocument/2006/relationships" xmlns:p="http://schemas.openxmlformats.org/presentationml/2006/main">
   <p:cSld>
     <p:spTree>
@@ -9460,7 +10323,7 @@
 </p:sld>
 </file>
 
-<file path=ppt/slides/slide17.xml><?xml version="1.0" encoding="utf-8"?>
+<file path=ppt/slides/slide18.xml><?xml version="1.0" encoding="utf-8"?>
 <p:sld xmlns:a="http://schemas.openxmlformats.org/drawingml/2006/main" xmlns:r="http://schemas.openxmlformats.org/officeDocument/2006/relationships" xmlns:p="http://schemas.openxmlformats.org/presentationml/2006/main">
   <p:cSld>
     <p:spTree>
@@ -9623,7 +10486,7 @@
 </p:sld>
 </file>
 
-<file path=ppt/slides/slide18.xml><?xml version="1.0" encoding="utf-8"?>
+<file path=ppt/slides/slide19.xml><?xml version="1.0" encoding="utf-8"?>
 <p:sld xmlns:a="http://schemas.openxmlformats.org/drawingml/2006/main" xmlns:r="http://schemas.openxmlformats.org/officeDocument/2006/relationships" xmlns:p="http://schemas.openxmlformats.org/presentationml/2006/main">
   <p:cSld>
     <p:spTree>
@@ -9962,7 +10825,294 @@
 </p:sld>
 </file>
 
-<file path=ppt/slides/slide19.xml><?xml version="1.0" encoding="utf-8"?>
+<file path=ppt/slides/slide2.xml><?xml version="1.0" encoding="utf-8"?>
+<p:sld xmlns:a="http://schemas.openxmlformats.org/drawingml/2006/main" xmlns:r="http://schemas.openxmlformats.org/officeDocument/2006/relationships" xmlns:p="http://schemas.openxmlformats.org/presentationml/2006/main">
+  <p:cSld>
+    <p:spTree>
+      <p:nvGrpSpPr>
+        <p:cNvPr id="1" name=""/>
+        <p:cNvGrpSpPr/>
+        <p:nvPr/>
+      </p:nvGrpSpPr>
+      <p:grpSpPr>
+        <a:xfrm>
+          <a:off x="0" y="0"/>
+          <a:ext cx="0" cy="0"/>
+          <a:chOff x="0" y="0"/>
+          <a:chExt cx="0" cy="0"/>
+        </a:xfrm>
+      </p:grpSpPr>
+      <p:sp>
+        <p:nvSpPr>
+          <p:cNvPr id="2" name="Title 1"/>
+          <p:cNvSpPr>
+            <a:spLocks noGrp="1"/>
+          </p:cNvSpPr>
+          <p:nvPr>
+            <p:ph type="title"/>
+          </p:nvPr>
+        </p:nvSpPr>
+        <p:spPr/>
+        <p:txBody>
+          <a:bodyPr/>
+          <a:lstStyle/>
+          <a:p>
+            <a:r>
+              <a:rPr lang="en-GB" dirty="0" smtClean="0"/>
+              <a:t>Brownian Motion Can be rough</a:t>
+            </a:r>
+            <a:endParaRPr lang="en-GB" dirty="0"/>
+          </a:p>
+        </p:txBody>
+      </p:sp>
+      <p:pic>
+        <p:nvPicPr>
+          <p:cNvPr id="5" name="Content Placeholder 4"/>
+          <p:cNvPicPr>
+            <a:picLocks noGrp="1" noChangeAspect="1"/>
+          </p:cNvPicPr>
+          <p:nvPr>
+            <p:ph idx="1"/>
+          </p:nvPr>
+        </p:nvPicPr>
+        <p:blipFill>
+          <a:blip r:embed="rId2">
+            <a:extLst>
+              <a:ext uri="{28A0092B-C50C-407E-A947-70E740481C1C}">
+                <a14:useLocalDpi xmlns:a14="http://schemas.microsoft.com/office/drawing/2010/main" val="0"/>
+              </a:ext>
+            </a:extLst>
+          </a:blip>
+          <a:stretch>
+            <a:fillRect/>
+          </a:stretch>
+        </p:blipFill>
+        <p:spPr>
+          <a:xfrm>
+            <a:off x="-1413145" y="2084832"/>
+            <a:ext cx="14594618" cy="3648652"/>
+          </a:xfrm>
+        </p:spPr>
+      </p:pic>
+      <p:cxnSp>
+        <p:nvCxnSpPr>
+          <p:cNvPr id="11" name="Straight Arrow Connector 10"/>
+          <p:cNvCxnSpPr/>
+          <p:nvPr/>
+        </p:nvCxnSpPr>
+        <p:spPr>
+          <a:xfrm flipH="1" flipV="1">
+            <a:off x="2222205" y="5188688"/>
+            <a:ext cx="552893" cy="544796"/>
+          </a:xfrm>
+          <a:prstGeom prst="straightConnector1">
+            <a:avLst/>
+          </a:prstGeom>
+          <a:ln w="38100">
+            <a:solidFill>
+              <a:srgbClr val="FF0000"/>
+            </a:solidFill>
+            <a:tailEnd type="triangle"/>
+          </a:ln>
+        </p:spPr>
+        <p:style>
+          <a:lnRef idx="1">
+            <a:schemeClr val="accent1"/>
+          </a:lnRef>
+          <a:fillRef idx="0">
+            <a:schemeClr val="accent1"/>
+          </a:fillRef>
+          <a:effectRef idx="0">
+            <a:schemeClr val="accent1"/>
+          </a:effectRef>
+          <a:fontRef idx="minor">
+            <a:schemeClr val="tx1"/>
+          </a:fontRef>
+        </p:style>
+      </p:cxnSp>
+      <p:sp>
+        <p:nvSpPr>
+          <p:cNvPr id="13" name="TextBox 12"/>
+          <p:cNvSpPr txBox="1"/>
+          <p:nvPr/>
+        </p:nvSpPr>
+        <p:spPr>
+          <a:xfrm>
+            <a:off x="2406471" y="5733484"/>
+            <a:ext cx="737253" cy="369332"/>
+          </a:xfrm>
+          <a:prstGeom prst="rect">
+            <a:avLst/>
+          </a:prstGeom>
+          <a:noFill/>
+        </p:spPr>
+        <p:txBody>
+          <a:bodyPr wrap="none" rtlCol="0">
+            <a:spAutoFit/>
+          </a:bodyPr>
+          <a:lstStyle/>
+          <a:p>
+            <a:r>
+              <a:rPr lang="en-GB" dirty="0" smtClean="0"/>
+              <a:t>Rough</a:t>
+            </a:r>
+            <a:endParaRPr lang="en-GB" dirty="0"/>
+          </a:p>
+        </p:txBody>
+      </p:sp>
+      <p:cxnSp>
+        <p:nvCxnSpPr>
+          <p:cNvPr id="14" name="Straight Arrow Connector 13"/>
+          <p:cNvCxnSpPr/>
+          <p:nvPr/>
+        </p:nvCxnSpPr>
+        <p:spPr>
+          <a:xfrm flipV="1">
+            <a:off x="5733482" y="5124893"/>
+            <a:ext cx="242019" cy="544796"/>
+          </a:xfrm>
+          <a:prstGeom prst="straightConnector1">
+            <a:avLst/>
+          </a:prstGeom>
+          <a:ln w="38100">
+            <a:solidFill>
+              <a:srgbClr val="FF0000"/>
+            </a:solidFill>
+            <a:tailEnd type="triangle"/>
+          </a:ln>
+        </p:spPr>
+        <p:style>
+          <a:lnRef idx="1">
+            <a:schemeClr val="accent1"/>
+          </a:lnRef>
+          <a:fillRef idx="0">
+            <a:schemeClr val="accent1"/>
+          </a:fillRef>
+          <a:effectRef idx="0">
+            <a:schemeClr val="accent1"/>
+          </a:effectRef>
+          <a:fontRef idx="minor">
+            <a:schemeClr val="tx1"/>
+          </a:fontRef>
+        </p:style>
+      </p:cxnSp>
+      <p:sp>
+        <p:nvSpPr>
+          <p:cNvPr id="15" name="TextBox 14"/>
+          <p:cNvSpPr txBox="1"/>
+          <p:nvPr/>
+        </p:nvSpPr>
+        <p:spPr>
+          <a:xfrm>
+            <a:off x="5364854" y="5669689"/>
+            <a:ext cx="940253" cy="369332"/>
+          </a:xfrm>
+          <a:prstGeom prst="rect">
+            <a:avLst/>
+          </a:prstGeom>
+          <a:noFill/>
+        </p:spPr>
+        <p:txBody>
+          <a:bodyPr wrap="square" rtlCol="0">
+            <a:spAutoFit/>
+          </a:bodyPr>
+          <a:lstStyle/>
+          <a:p>
+            <a:r>
+              <a:rPr lang="en-GB" dirty="0" smtClean="0"/>
+              <a:t>Normal</a:t>
+            </a:r>
+            <a:endParaRPr lang="en-GB" dirty="0"/>
+          </a:p>
+        </p:txBody>
+      </p:sp>
+      <p:cxnSp>
+        <p:nvCxnSpPr>
+          <p:cNvPr id="17" name="Straight Arrow Connector 16"/>
+          <p:cNvCxnSpPr/>
+          <p:nvPr/>
+        </p:nvCxnSpPr>
+        <p:spPr>
+          <a:xfrm flipV="1">
+            <a:off x="9985522" y="5124893"/>
+            <a:ext cx="189836" cy="544796"/>
+          </a:xfrm>
+          <a:prstGeom prst="straightConnector1">
+            <a:avLst/>
+          </a:prstGeom>
+          <a:ln w="38100">
+            <a:solidFill>
+              <a:srgbClr val="FF0000"/>
+            </a:solidFill>
+            <a:tailEnd type="triangle"/>
+          </a:ln>
+        </p:spPr>
+        <p:style>
+          <a:lnRef idx="1">
+            <a:schemeClr val="accent1"/>
+          </a:lnRef>
+          <a:fillRef idx="0">
+            <a:schemeClr val="accent1"/>
+          </a:fillRef>
+          <a:effectRef idx="0">
+            <a:schemeClr val="accent1"/>
+          </a:effectRef>
+          <a:fontRef idx="minor">
+            <a:schemeClr val="tx1"/>
+          </a:fontRef>
+        </p:style>
+      </p:cxnSp>
+      <p:sp>
+        <p:nvSpPr>
+          <p:cNvPr id="18" name="TextBox 17"/>
+          <p:cNvSpPr txBox="1"/>
+          <p:nvPr/>
+        </p:nvSpPr>
+        <p:spPr>
+          <a:xfrm>
+            <a:off x="9616894" y="5669689"/>
+            <a:ext cx="848309" cy="369332"/>
+          </a:xfrm>
+          <a:prstGeom prst="rect">
+            <a:avLst/>
+          </a:prstGeom>
+          <a:noFill/>
+        </p:spPr>
+        <p:txBody>
+          <a:bodyPr wrap="none" rtlCol="0">
+            <a:spAutoFit/>
+          </a:bodyPr>
+          <a:lstStyle/>
+          <a:p>
+            <a:r>
+              <a:rPr lang="en-GB" dirty="0" smtClean="0"/>
+              <a:t>Smooth</a:t>
+            </a:r>
+            <a:endParaRPr lang="en-GB" dirty="0"/>
+          </a:p>
+        </p:txBody>
+      </p:sp>
+    </p:spTree>
+    <p:extLst>
+      <p:ext uri="{BB962C8B-B14F-4D97-AF65-F5344CB8AC3E}">
+        <p14:creationId xmlns:p14="http://schemas.microsoft.com/office/powerpoint/2010/main" val="3912231324"/>
+      </p:ext>
+    </p:extLst>
+  </p:cSld>
+  <p:clrMapOvr>
+    <a:masterClrMapping/>
+  </p:clrMapOvr>
+  <p:timing>
+    <p:tnLst>
+      <p:par>
+        <p:cTn id="1" dur="indefinite" restart="never" nodeType="tmRoot"/>
+      </p:par>
+    </p:tnLst>
+  </p:timing>
+</p:sld>
+</file>
+
+<file path=ppt/slides/slide20.xml><?xml version="1.0" encoding="utf-8"?>
 <p:sld xmlns:a="http://schemas.openxmlformats.org/drawingml/2006/main" xmlns:r="http://schemas.openxmlformats.org/officeDocument/2006/relationships" xmlns:p="http://schemas.openxmlformats.org/presentationml/2006/main">
   <p:cSld>
     <p:spTree>
@@ -10690,372 +11840,6 @@
 </p:sld>
 </file>
 
-<file path=ppt/slides/slide2.xml><?xml version="1.0" encoding="utf-8"?>
-<p:sld xmlns:a="http://schemas.openxmlformats.org/drawingml/2006/main" xmlns:r="http://schemas.openxmlformats.org/officeDocument/2006/relationships" xmlns:p="http://schemas.openxmlformats.org/presentationml/2006/main">
-  <p:cSld>
-    <p:spTree>
-      <p:nvGrpSpPr>
-        <p:cNvPr id="1" name=""/>
-        <p:cNvGrpSpPr/>
-        <p:nvPr/>
-      </p:nvGrpSpPr>
-      <p:grpSpPr>
-        <a:xfrm>
-          <a:off x="0" y="0"/>
-          <a:ext cx="0" cy="0"/>
-          <a:chOff x="0" y="0"/>
-          <a:chExt cx="0" cy="0"/>
-        </a:xfrm>
-      </p:grpSpPr>
-      <p:sp>
-        <p:nvSpPr>
-          <p:cNvPr id="2" name="Title 1"/>
-          <p:cNvSpPr>
-            <a:spLocks noGrp="1"/>
-          </p:cNvSpPr>
-          <p:nvPr>
-            <p:ph type="title"/>
-          </p:nvPr>
-        </p:nvSpPr>
-        <p:spPr/>
-        <p:txBody>
-          <a:bodyPr/>
-          <a:lstStyle/>
-          <a:p>
-            <a:r>
-              <a:rPr lang="en-GB" dirty="0" smtClean="0"/>
-              <a:t>Brownian Motion Can be rough</a:t>
-            </a:r>
-            <a:endParaRPr lang="en-GB" dirty="0"/>
-          </a:p>
-        </p:txBody>
-      </p:sp>
-      <p:pic>
-        <p:nvPicPr>
-          <p:cNvPr id="5" name="Content Placeholder 4"/>
-          <p:cNvPicPr>
-            <a:picLocks noGrp="1" noChangeAspect="1"/>
-          </p:cNvPicPr>
-          <p:nvPr>
-            <p:ph idx="1"/>
-          </p:nvPr>
-        </p:nvPicPr>
-        <p:blipFill>
-          <a:blip r:embed="rId2">
-            <a:extLst>
-              <a:ext uri="{28A0092B-C50C-407E-A947-70E740481C1C}">
-                <a14:useLocalDpi xmlns:a14="http://schemas.microsoft.com/office/drawing/2010/main" val="0"/>
-              </a:ext>
-            </a:extLst>
-          </a:blip>
-          <a:stretch>
-            <a:fillRect/>
-          </a:stretch>
-        </p:blipFill>
-        <p:spPr>
-          <a:xfrm>
-            <a:off x="-1413145" y="2084832"/>
-            <a:ext cx="14594618" cy="3648652"/>
-          </a:xfrm>
-        </p:spPr>
-      </p:pic>
-      <p:cxnSp>
-        <p:nvCxnSpPr>
-          <p:cNvPr id="11" name="Straight Arrow Connector 10"/>
-          <p:cNvCxnSpPr/>
-          <p:nvPr/>
-        </p:nvCxnSpPr>
-        <p:spPr>
-          <a:xfrm flipH="1" flipV="1">
-            <a:off x="2222205" y="5188688"/>
-            <a:ext cx="552893" cy="544796"/>
-          </a:xfrm>
-          <a:prstGeom prst="straightConnector1">
-            <a:avLst/>
-          </a:prstGeom>
-          <a:ln w="38100">
-            <a:solidFill>
-              <a:srgbClr val="FF0000"/>
-            </a:solidFill>
-            <a:tailEnd type="triangle"/>
-          </a:ln>
-        </p:spPr>
-        <p:style>
-          <a:lnRef idx="1">
-            <a:schemeClr val="accent1"/>
-          </a:lnRef>
-          <a:fillRef idx="0">
-            <a:schemeClr val="accent1"/>
-          </a:fillRef>
-          <a:effectRef idx="0">
-            <a:schemeClr val="accent1"/>
-          </a:effectRef>
-          <a:fontRef idx="minor">
-            <a:schemeClr val="tx1"/>
-          </a:fontRef>
-        </p:style>
-      </p:cxnSp>
-      <p:sp>
-        <p:nvSpPr>
-          <p:cNvPr id="13" name="TextBox 12"/>
-          <p:cNvSpPr txBox="1"/>
-          <p:nvPr/>
-        </p:nvSpPr>
-        <p:spPr>
-          <a:xfrm>
-            <a:off x="2406471" y="5733484"/>
-            <a:ext cx="737253" cy="369332"/>
-          </a:xfrm>
-          <a:prstGeom prst="rect">
-            <a:avLst/>
-          </a:prstGeom>
-          <a:noFill/>
-        </p:spPr>
-        <p:txBody>
-          <a:bodyPr wrap="none" rtlCol="0">
-            <a:spAutoFit/>
-          </a:bodyPr>
-          <a:lstStyle/>
-          <a:p>
-            <a:r>
-              <a:rPr lang="en-GB" dirty="0" smtClean="0"/>
-              <a:t>Rough</a:t>
-            </a:r>
-            <a:endParaRPr lang="en-GB" dirty="0"/>
-          </a:p>
-        </p:txBody>
-      </p:sp>
-      <p:cxnSp>
-        <p:nvCxnSpPr>
-          <p:cNvPr id="14" name="Straight Arrow Connector 13"/>
-          <p:cNvCxnSpPr/>
-          <p:nvPr/>
-        </p:nvCxnSpPr>
-        <p:spPr>
-          <a:xfrm flipV="1">
-            <a:off x="5733482" y="5124893"/>
-            <a:ext cx="242019" cy="544796"/>
-          </a:xfrm>
-          <a:prstGeom prst="straightConnector1">
-            <a:avLst/>
-          </a:prstGeom>
-          <a:ln w="38100">
-            <a:solidFill>
-              <a:srgbClr val="FF0000"/>
-            </a:solidFill>
-            <a:tailEnd type="triangle"/>
-          </a:ln>
-        </p:spPr>
-        <p:style>
-          <a:lnRef idx="1">
-            <a:schemeClr val="accent1"/>
-          </a:lnRef>
-          <a:fillRef idx="0">
-            <a:schemeClr val="accent1"/>
-          </a:fillRef>
-          <a:effectRef idx="0">
-            <a:schemeClr val="accent1"/>
-          </a:effectRef>
-          <a:fontRef idx="minor">
-            <a:schemeClr val="tx1"/>
-          </a:fontRef>
-        </p:style>
-      </p:cxnSp>
-      <p:sp>
-        <p:nvSpPr>
-          <p:cNvPr id="15" name="TextBox 14"/>
-          <p:cNvSpPr txBox="1"/>
-          <p:nvPr/>
-        </p:nvSpPr>
-        <p:spPr>
-          <a:xfrm>
-            <a:off x="5364854" y="5669689"/>
-            <a:ext cx="940253" cy="369332"/>
-          </a:xfrm>
-          <a:prstGeom prst="rect">
-            <a:avLst/>
-          </a:prstGeom>
-          <a:noFill/>
-        </p:spPr>
-        <p:txBody>
-          <a:bodyPr wrap="square" rtlCol="0">
-            <a:spAutoFit/>
-          </a:bodyPr>
-          <a:lstStyle/>
-          <a:p>
-            <a:r>
-              <a:rPr lang="en-GB" dirty="0" smtClean="0"/>
-              <a:t>Normal</a:t>
-            </a:r>
-            <a:endParaRPr lang="en-GB" dirty="0"/>
-          </a:p>
-        </p:txBody>
-      </p:sp>
-      <p:cxnSp>
-        <p:nvCxnSpPr>
-          <p:cNvPr id="17" name="Straight Arrow Connector 16"/>
-          <p:cNvCxnSpPr/>
-          <p:nvPr/>
-        </p:nvCxnSpPr>
-        <p:spPr>
-          <a:xfrm flipV="1">
-            <a:off x="9985522" y="5124893"/>
-            <a:ext cx="189836" cy="544796"/>
-          </a:xfrm>
-          <a:prstGeom prst="straightConnector1">
-            <a:avLst/>
-          </a:prstGeom>
-          <a:ln w="38100">
-            <a:solidFill>
-              <a:srgbClr val="FF0000"/>
-            </a:solidFill>
-            <a:tailEnd type="triangle"/>
-          </a:ln>
-        </p:spPr>
-        <p:style>
-          <a:lnRef idx="1">
-            <a:schemeClr val="accent1"/>
-          </a:lnRef>
-          <a:fillRef idx="0">
-            <a:schemeClr val="accent1"/>
-          </a:fillRef>
-          <a:effectRef idx="0">
-            <a:schemeClr val="accent1"/>
-          </a:effectRef>
-          <a:fontRef idx="minor">
-            <a:schemeClr val="tx1"/>
-          </a:fontRef>
-        </p:style>
-      </p:cxnSp>
-      <p:sp>
-        <p:nvSpPr>
-          <p:cNvPr id="18" name="TextBox 17"/>
-          <p:cNvSpPr txBox="1"/>
-          <p:nvPr/>
-        </p:nvSpPr>
-        <p:spPr>
-          <a:xfrm>
-            <a:off x="9616894" y="5669689"/>
-            <a:ext cx="848309" cy="369332"/>
-          </a:xfrm>
-          <a:prstGeom prst="rect">
-            <a:avLst/>
-          </a:prstGeom>
-          <a:noFill/>
-        </p:spPr>
-        <p:txBody>
-          <a:bodyPr wrap="none" rtlCol="0">
-            <a:spAutoFit/>
-          </a:bodyPr>
-          <a:lstStyle/>
-          <a:p>
-            <a:r>
-              <a:rPr lang="en-GB" dirty="0" smtClean="0"/>
-              <a:t>Smooth</a:t>
-            </a:r>
-            <a:endParaRPr lang="en-GB" dirty="0"/>
-          </a:p>
-        </p:txBody>
-      </p:sp>
-    </p:spTree>
-    <p:extLst>
-      <p:ext uri="{BB962C8B-B14F-4D97-AF65-F5344CB8AC3E}">
-        <p14:creationId xmlns:p14="http://schemas.microsoft.com/office/powerpoint/2010/main" val="3912231324"/>
-      </p:ext>
-    </p:extLst>
-  </p:cSld>
-  <p:clrMapOvr>
-    <a:masterClrMapping/>
-  </p:clrMapOvr>
-  <p:timing>
-    <p:tnLst>
-      <p:par>
-        <p:cTn id="1" dur="indefinite" restart="never" nodeType="tmRoot"/>
-      </p:par>
-    </p:tnLst>
-  </p:timing>
-</p:sld>
-</file>
-
-<file path=ppt/slides/slide20.xml><?xml version="1.0" encoding="utf-8"?>
-<p:sld xmlns:a="http://schemas.openxmlformats.org/drawingml/2006/main" xmlns:r="http://schemas.openxmlformats.org/officeDocument/2006/relationships" xmlns:p="http://schemas.openxmlformats.org/presentationml/2006/main">
-  <p:cSld>
-    <p:spTree>
-      <p:nvGrpSpPr>
-        <p:cNvPr id="1" name=""/>
-        <p:cNvGrpSpPr/>
-        <p:nvPr/>
-      </p:nvGrpSpPr>
-      <p:grpSpPr>
-        <a:xfrm>
-          <a:off x="0" y="0"/>
-          <a:ext cx="0" cy="0"/>
-          <a:chOff x="0" y="0"/>
-          <a:chExt cx="0" cy="0"/>
-        </a:xfrm>
-      </p:grpSpPr>
-      <p:sp>
-        <p:nvSpPr>
-          <p:cNvPr id="2" name="Title 1"/>
-          <p:cNvSpPr>
-            <a:spLocks noGrp="1"/>
-          </p:cNvSpPr>
-          <p:nvPr>
-            <p:ph type="title"/>
-          </p:nvPr>
-        </p:nvSpPr>
-        <p:spPr/>
-        <p:txBody>
-          <a:bodyPr/>
-          <a:lstStyle/>
-          <a:p>
-            <a:r>
-              <a:rPr lang="en-GB" dirty="0" smtClean="0"/>
-              <a:t>Optimal Executions</a:t>
-            </a:r>
-            <a:endParaRPr lang="en-GB" dirty="0"/>
-          </a:p>
-        </p:txBody>
-      </p:sp>
-      <p:sp>
-        <p:nvSpPr>
-          <p:cNvPr id="3" name="Text Placeholder 2"/>
-          <p:cNvSpPr>
-            <a:spLocks noGrp="1"/>
-          </p:cNvSpPr>
-          <p:nvPr>
-            <p:ph type="body" idx="1"/>
-          </p:nvPr>
-        </p:nvSpPr>
-        <p:spPr/>
-        <p:txBody>
-          <a:bodyPr/>
-          <a:lstStyle/>
-          <a:p>
-            <a:endParaRPr lang="en-GB"/>
-          </a:p>
-        </p:txBody>
-      </p:sp>
-    </p:spTree>
-    <p:extLst>
-      <p:ext uri="{BB962C8B-B14F-4D97-AF65-F5344CB8AC3E}">
-        <p14:creationId xmlns:p14="http://schemas.microsoft.com/office/powerpoint/2010/main" val="647037411"/>
-      </p:ext>
-    </p:extLst>
-  </p:cSld>
-  <p:clrMapOvr>
-    <a:masterClrMapping/>
-  </p:clrMapOvr>
-  <p:timing>
-    <p:tnLst>
-      <p:par>
-        <p:cTn id="1" dur="indefinite" restart="never" nodeType="tmRoot"/>
-      </p:par>
-    </p:tnLst>
-  </p:timing>
-</p:sld>
-</file>
-
 <file path=ppt/slides/slide21.xml><?xml version="1.0" encoding="utf-8"?>
 <p:sld xmlns:a="http://schemas.openxmlformats.org/drawingml/2006/main" xmlns:r="http://schemas.openxmlformats.org/officeDocument/2006/relationships" xmlns:p="http://schemas.openxmlformats.org/presentationml/2006/main">
   <p:cSld>
@@ -11090,7 +11874,7 @@
           <a:p>
             <a:r>
               <a:rPr lang="en-GB" dirty="0" smtClean="0"/>
-              <a:t>How do we trade? – Zero spreads</a:t>
+              <a:t>Optimal Executions</a:t>
             </a:r>
             <a:endParaRPr lang="en-GB" dirty="0"/>
           </a:p>
@@ -11098,12 +11882,12 @@
       </p:sp>
       <p:sp>
         <p:nvSpPr>
-          <p:cNvPr id="3" name="Content Placeholder 2"/>
+          <p:cNvPr id="3" name="Text Placeholder 2"/>
           <p:cNvSpPr>
             <a:spLocks noGrp="1"/>
           </p:cNvSpPr>
           <p:nvPr>
-            <p:ph idx="1"/>
+            <p:ph type="body" idx="1"/>
           </p:nvPr>
         </p:nvSpPr>
         <p:spPr/>
@@ -11111,62 +11895,14 @@
           <a:bodyPr/>
           <a:lstStyle/>
           <a:p>
-            <a:endParaRPr lang="en-GB" dirty="0" smtClean="0"/>
-          </a:p>
-          <a:p>
-            <a:r>
-              <a:rPr lang="en-GB" dirty="0" smtClean="0"/>
-              <a:t>Cause market impact</a:t>
-            </a:r>
-          </a:p>
-          <a:p>
-            <a:r>
-              <a:rPr lang="en-GB" dirty="0" smtClean="0"/>
-              <a:t>Trade against it</a:t>
-            </a:r>
-          </a:p>
-          <a:p>
-            <a:r>
-              <a:rPr lang="en-GB" dirty="0" smtClean="0"/>
-              <a:t>Cause market impact</a:t>
-            </a:r>
-          </a:p>
-          <a:p>
-            <a:r>
-              <a:rPr lang="en-GB" dirty="0" smtClean="0"/>
-              <a:t>Trade against it</a:t>
-            </a:r>
+            <a:endParaRPr lang="en-GB"/>
           </a:p>
         </p:txBody>
       </p:sp>
-      <p:pic>
-        <p:nvPicPr>
-          <p:cNvPr id="4" name="Picture 3"/>
-          <p:cNvPicPr>
-            <a:picLocks noChangeAspect="1"/>
-          </p:cNvPicPr>
-          <p:nvPr/>
-        </p:nvPicPr>
-        <p:blipFill>
-          <a:blip r:embed="rId2"/>
-          <a:stretch>
-            <a:fillRect/>
-          </a:stretch>
-        </p:blipFill>
-        <p:spPr>
-          <a:xfrm>
-            <a:off x="6326001" y="1975640"/>
-            <a:ext cx="4418198" cy="4333720"/>
-          </a:xfrm>
-          <a:prstGeom prst="rect">
-            <a:avLst/>
-          </a:prstGeom>
-        </p:spPr>
-      </p:pic>
     </p:spTree>
     <p:extLst>
       <p:ext uri="{BB962C8B-B14F-4D97-AF65-F5344CB8AC3E}">
-        <p14:creationId xmlns:p14="http://schemas.microsoft.com/office/powerpoint/2010/main" val="205570527"/>
+        <p14:creationId xmlns:p14="http://schemas.microsoft.com/office/powerpoint/2010/main" val="647037411"/>
       </p:ext>
     </p:extLst>
   </p:cSld>
@@ -11217,6 +11953,133 @@
           <a:p>
             <a:r>
               <a:rPr lang="en-GB" dirty="0" smtClean="0"/>
+              <a:t>How do we trade? – Zero spreads</a:t>
+            </a:r>
+            <a:endParaRPr lang="en-GB" dirty="0"/>
+          </a:p>
+        </p:txBody>
+      </p:sp>
+      <p:sp>
+        <p:nvSpPr>
+          <p:cNvPr id="3" name="Content Placeholder 2"/>
+          <p:cNvSpPr>
+            <a:spLocks noGrp="1"/>
+          </p:cNvSpPr>
+          <p:nvPr>
+            <p:ph idx="1"/>
+          </p:nvPr>
+        </p:nvSpPr>
+        <p:spPr/>
+        <p:txBody>
+          <a:bodyPr/>
+          <a:lstStyle/>
+          <a:p>
+            <a:endParaRPr lang="en-GB" dirty="0" smtClean="0"/>
+          </a:p>
+          <a:p>
+            <a:r>
+              <a:rPr lang="en-GB" dirty="0" smtClean="0"/>
+              <a:t>Cause market impact</a:t>
+            </a:r>
+          </a:p>
+          <a:p>
+            <a:r>
+              <a:rPr lang="en-GB" dirty="0" smtClean="0"/>
+              <a:t>Trade against it</a:t>
+            </a:r>
+          </a:p>
+          <a:p>
+            <a:r>
+              <a:rPr lang="en-GB" dirty="0" smtClean="0"/>
+              <a:t>Cause market impact</a:t>
+            </a:r>
+          </a:p>
+          <a:p>
+            <a:r>
+              <a:rPr lang="en-GB" dirty="0" smtClean="0"/>
+              <a:t>Trade against it</a:t>
+            </a:r>
+          </a:p>
+        </p:txBody>
+      </p:sp>
+      <p:pic>
+        <p:nvPicPr>
+          <p:cNvPr id="4" name="Picture 3"/>
+          <p:cNvPicPr>
+            <a:picLocks noChangeAspect="1"/>
+          </p:cNvPicPr>
+          <p:nvPr/>
+        </p:nvPicPr>
+        <p:blipFill>
+          <a:blip r:embed="rId2"/>
+          <a:stretch>
+            <a:fillRect/>
+          </a:stretch>
+        </p:blipFill>
+        <p:spPr>
+          <a:xfrm>
+            <a:off x="6326001" y="1975640"/>
+            <a:ext cx="4418198" cy="4333720"/>
+          </a:xfrm>
+          <a:prstGeom prst="rect">
+            <a:avLst/>
+          </a:prstGeom>
+        </p:spPr>
+      </p:pic>
+    </p:spTree>
+    <p:extLst>
+      <p:ext uri="{BB962C8B-B14F-4D97-AF65-F5344CB8AC3E}">
+        <p14:creationId xmlns:p14="http://schemas.microsoft.com/office/powerpoint/2010/main" val="205570527"/>
+      </p:ext>
+    </p:extLst>
+  </p:cSld>
+  <p:clrMapOvr>
+    <a:masterClrMapping/>
+  </p:clrMapOvr>
+  <p:timing>
+    <p:tnLst>
+      <p:par>
+        <p:cTn id="1" dur="indefinite" restart="never" nodeType="tmRoot"/>
+      </p:par>
+    </p:tnLst>
+  </p:timing>
+</p:sld>
+</file>
+
+<file path=ppt/slides/slide23.xml><?xml version="1.0" encoding="utf-8"?>
+<p:sld xmlns:a="http://schemas.openxmlformats.org/drawingml/2006/main" xmlns:r="http://schemas.openxmlformats.org/officeDocument/2006/relationships" xmlns:p="http://schemas.openxmlformats.org/presentationml/2006/main">
+  <p:cSld>
+    <p:spTree>
+      <p:nvGrpSpPr>
+        <p:cNvPr id="1" name=""/>
+        <p:cNvGrpSpPr/>
+        <p:nvPr/>
+      </p:nvGrpSpPr>
+      <p:grpSpPr>
+        <a:xfrm>
+          <a:off x="0" y="0"/>
+          <a:ext cx="0" cy="0"/>
+          <a:chOff x="0" y="0"/>
+          <a:chExt cx="0" cy="0"/>
+        </a:xfrm>
+      </p:grpSpPr>
+      <p:sp>
+        <p:nvSpPr>
+          <p:cNvPr id="2" name="Title 1"/>
+          <p:cNvSpPr>
+            <a:spLocks noGrp="1"/>
+          </p:cNvSpPr>
+          <p:nvPr>
+            <p:ph type="title"/>
+          </p:nvPr>
+        </p:nvSpPr>
+        <p:spPr/>
+        <p:txBody>
+          <a:bodyPr/>
+          <a:lstStyle/>
+          <a:p>
+            <a:r>
+              <a:rPr lang="en-GB" dirty="0" smtClean="0"/>
               <a:t>How do we trade? – With Spreads</a:t>
             </a:r>
             <a:endParaRPr lang="en-GB" dirty="0"/>
@@ -11315,7 +12178,7 @@
 </p:sld>
 </file>
 
-<file path=ppt/slides/slide23.xml><?xml version="1.0" encoding="utf-8"?>
+<file path=ppt/slides/slide24.xml><?xml version="1.0" encoding="utf-8"?>
 <p:sld xmlns:a="http://schemas.openxmlformats.org/drawingml/2006/main" xmlns:r="http://schemas.openxmlformats.org/officeDocument/2006/relationships" xmlns:p="http://schemas.openxmlformats.org/presentationml/2006/main">
   <p:cSld>
     <p:spTree>
@@ -11554,7 +12417,7 @@
 </p:sld>
 </file>
 
-<file path=ppt/slides/slide24.xml><?xml version="1.0" encoding="utf-8"?>
+<file path=ppt/slides/slide25.xml><?xml version="1.0" encoding="utf-8"?>
 <p:sld xmlns:a="http://schemas.openxmlformats.org/drawingml/2006/main" xmlns:r="http://schemas.openxmlformats.org/officeDocument/2006/relationships" xmlns:p="http://schemas.openxmlformats.org/presentationml/2006/main">
   <p:cSld>
     <p:spTree>
@@ -11761,7 +12624,7 @@
 </p:sld>
 </file>
 
-<file path=ppt/slides/slide25.xml><?xml version="1.0" encoding="utf-8"?>
+<file path=ppt/slides/slide26.xml><?xml version="1.0" encoding="utf-8"?>
 <p:sld xmlns:a="http://schemas.openxmlformats.org/drawingml/2006/main" xmlns:r="http://schemas.openxmlformats.org/officeDocument/2006/relationships" xmlns:p="http://schemas.openxmlformats.org/presentationml/2006/main">
   <p:cSld>
     <p:spTree>
@@ -11824,177 +12687,6 @@
     <p:extLst>
       <p:ext uri="{BB962C8B-B14F-4D97-AF65-F5344CB8AC3E}">
         <p14:creationId xmlns:p14="http://schemas.microsoft.com/office/powerpoint/2010/main" val="2921914216"/>
-      </p:ext>
-    </p:extLst>
-  </p:cSld>
-  <p:clrMapOvr>
-    <a:masterClrMapping/>
-  </p:clrMapOvr>
-  <p:timing>
-    <p:tnLst>
-      <p:par>
-        <p:cTn id="1" dur="indefinite" restart="never" nodeType="tmRoot"/>
-      </p:par>
-    </p:tnLst>
-  </p:timing>
-</p:sld>
-</file>
-
-<file path=ppt/slides/slide26.xml><?xml version="1.0" encoding="utf-8"?>
-<p:sld xmlns:a="http://schemas.openxmlformats.org/drawingml/2006/main" xmlns:r="http://schemas.openxmlformats.org/officeDocument/2006/relationships" xmlns:p="http://schemas.openxmlformats.org/presentationml/2006/main">
-  <p:cSld>
-    <p:spTree>
-      <p:nvGrpSpPr>
-        <p:cNvPr id="1" name=""/>
-        <p:cNvGrpSpPr/>
-        <p:nvPr/>
-      </p:nvGrpSpPr>
-      <p:grpSpPr>
-        <a:xfrm>
-          <a:off x="0" y="0"/>
-          <a:ext cx="0" cy="0"/>
-          <a:chOff x="0" y="0"/>
-          <a:chExt cx="0" cy="0"/>
-        </a:xfrm>
-      </p:grpSpPr>
-      <p:sp>
-        <p:nvSpPr>
-          <p:cNvPr id="2" name="Title 1"/>
-          <p:cNvSpPr>
-            <a:spLocks noGrp="1"/>
-          </p:cNvSpPr>
-          <p:nvPr>
-            <p:ph type="title"/>
-          </p:nvPr>
-        </p:nvSpPr>
-        <p:spPr/>
-        <p:txBody>
-          <a:bodyPr>
-            <a:normAutofit/>
-          </a:bodyPr>
-          <a:lstStyle/>
-          <a:p>
-            <a:r>
-              <a:rPr lang="en-GB" dirty="0"/>
-              <a:t>Tying it all together</a:t>
-            </a:r>
-          </a:p>
-        </p:txBody>
-      </p:sp>
-      <p:sp>
-        <p:nvSpPr>
-          <p:cNvPr id="3" name="Content Placeholder 2"/>
-          <p:cNvSpPr>
-            <a:spLocks noGrp="1"/>
-          </p:cNvSpPr>
-          <p:nvPr>
-            <p:ph idx="1"/>
-          </p:nvPr>
-        </p:nvSpPr>
-        <p:spPr/>
-        <p:txBody>
-          <a:bodyPr>
-            <a:normAutofit/>
-          </a:bodyPr>
-          <a:lstStyle/>
-          <a:p>
-            <a:pPr marL="0" indent="0">
-              <a:buNone/>
-            </a:pPr>
-            <a:r>
-              <a:rPr lang="en-GB" dirty="0"/>
-              <a:t>The asset </a:t>
-            </a:r>
-            <a:r>
-              <a:rPr lang="en-GB" dirty="0" smtClean="0"/>
-              <a:t>managers </a:t>
-            </a:r>
-            <a:r>
-              <a:rPr lang="en-GB" dirty="0"/>
-              <a:t>problem</a:t>
-            </a:r>
-          </a:p>
-          <a:p>
-            <a:pPr lvl="1"/>
-            <a:r>
-              <a:rPr lang="en-GB" dirty="0" smtClean="0"/>
-              <a:t>I have a big order and want to execute it as cheaply as possible</a:t>
-            </a:r>
-          </a:p>
-          <a:p>
-            <a:pPr lvl="1"/>
-            <a:endParaRPr lang="en-GB" dirty="0"/>
-          </a:p>
-          <a:p>
-            <a:pPr marL="0" indent="0">
-              <a:buNone/>
-            </a:pPr>
-            <a:r>
-              <a:rPr lang="en-GB" dirty="0"/>
-              <a:t>The risk managers problem</a:t>
-            </a:r>
-          </a:p>
-          <a:p>
-            <a:pPr lvl="1"/>
-            <a:r>
-              <a:rPr lang="en-GB" dirty="0"/>
-              <a:t>I want to know how much it will cost me to unwind my portfolio in some time frame</a:t>
-            </a:r>
-          </a:p>
-          <a:p>
-            <a:pPr lvl="1"/>
-            <a:r>
-              <a:rPr lang="en-GB" dirty="0" smtClean="0"/>
-              <a:t>“People </a:t>
-            </a:r>
-            <a:r>
-              <a:rPr lang="en-GB" dirty="0"/>
-              <a:t>are worried about bond market </a:t>
-            </a:r>
-            <a:r>
-              <a:rPr lang="en-GB" dirty="0" smtClean="0"/>
-              <a:t>liquidity”</a:t>
-            </a:r>
-            <a:endParaRPr lang="en-GB" dirty="0"/>
-          </a:p>
-          <a:p>
-            <a:pPr lvl="1"/>
-            <a:endParaRPr lang="en-GB" dirty="0" smtClean="0"/>
-          </a:p>
-          <a:p>
-            <a:pPr marL="0" indent="0">
-              <a:buNone/>
-            </a:pPr>
-            <a:r>
-              <a:rPr lang="en-GB" dirty="0"/>
-              <a:t>The hedge </a:t>
-            </a:r>
-            <a:r>
-              <a:rPr lang="en-GB" dirty="0" smtClean="0"/>
-              <a:t>funds </a:t>
-            </a:r>
-            <a:r>
-              <a:rPr lang="en-GB" dirty="0"/>
-              <a:t>problem</a:t>
-            </a:r>
-          </a:p>
-          <a:p>
-            <a:pPr lvl="1"/>
-            <a:r>
-              <a:rPr lang="en-GB" dirty="0" smtClean="0"/>
-              <a:t>I have a small trading strategy and want to exploit it as much as possible</a:t>
-            </a:r>
-          </a:p>
-          <a:p>
-            <a:pPr lvl="1"/>
-            <a:endParaRPr lang="en-GB" dirty="0" smtClean="0"/>
-          </a:p>
-        </p:txBody>
-      </p:sp>
-    </p:spTree>
-    <p:extLst>
-      <p:ext uri="{BB962C8B-B14F-4D97-AF65-F5344CB8AC3E}">
-        <p14:creationId xmlns:p14="http://schemas.microsoft.com/office/powerpoint/2010/main" val="3844073618"/>
       </p:ext>
     </p:extLst>
   </p:cSld>
@@ -12040,6 +12732,177 @@
         </p:nvSpPr>
         <p:spPr/>
         <p:txBody>
+          <a:bodyPr>
+            <a:normAutofit/>
+          </a:bodyPr>
+          <a:lstStyle/>
+          <a:p>
+            <a:r>
+              <a:rPr lang="en-GB" dirty="0"/>
+              <a:t>Tying it all together</a:t>
+            </a:r>
+          </a:p>
+        </p:txBody>
+      </p:sp>
+      <p:sp>
+        <p:nvSpPr>
+          <p:cNvPr id="3" name="Content Placeholder 2"/>
+          <p:cNvSpPr>
+            <a:spLocks noGrp="1"/>
+          </p:cNvSpPr>
+          <p:nvPr>
+            <p:ph idx="1"/>
+          </p:nvPr>
+        </p:nvSpPr>
+        <p:spPr/>
+        <p:txBody>
+          <a:bodyPr>
+            <a:normAutofit/>
+          </a:bodyPr>
+          <a:lstStyle/>
+          <a:p>
+            <a:pPr marL="0" indent="0">
+              <a:buNone/>
+            </a:pPr>
+            <a:r>
+              <a:rPr lang="en-GB" dirty="0"/>
+              <a:t>The asset </a:t>
+            </a:r>
+            <a:r>
+              <a:rPr lang="en-GB" dirty="0" smtClean="0"/>
+              <a:t>managers </a:t>
+            </a:r>
+            <a:r>
+              <a:rPr lang="en-GB" dirty="0"/>
+              <a:t>problem</a:t>
+            </a:r>
+          </a:p>
+          <a:p>
+            <a:pPr lvl="1"/>
+            <a:r>
+              <a:rPr lang="en-GB" dirty="0" smtClean="0"/>
+              <a:t>I have a big order and want to execute it as cheaply as possible</a:t>
+            </a:r>
+          </a:p>
+          <a:p>
+            <a:pPr lvl="1"/>
+            <a:endParaRPr lang="en-GB" dirty="0"/>
+          </a:p>
+          <a:p>
+            <a:pPr marL="0" indent="0">
+              <a:buNone/>
+            </a:pPr>
+            <a:r>
+              <a:rPr lang="en-GB" dirty="0"/>
+              <a:t>The risk managers problem</a:t>
+            </a:r>
+          </a:p>
+          <a:p>
+            <a:pPr lvl="1"/>
+            <a:r>
+              <a:rPr lang="en-GB" dirty="0"/>
+              <a:t>I want to know how much it will cost me to unwind my portfolio in some time frame</a:t>
+            </a:r>
+          </a:p>
+          <a:p>
+            <a:pPr lvl="1"/>
+            <a:r>
+              <a:rPr lang="en-GB" dirty="0" smtClean="0"/>
+              <a:t>“People </a:t>
+            </a:r>
+            <a:r>
+              <a:rPr lang="en-GB" dirty="0"/>
+              <a:t>are worried about bond market </a:t>
+            </a:r>
+            <a:r>
+              <a:rPr lang="en-GB" dirty="0" smtClean="0"/>
+              <a:t>liquidity”</a:t>
+            </a:r>
+            <a:endParaRPr lang="en-GB" dirty="0"/>
+          </a:p>
+          <a:p>
+            <a:pPr lvl="1"/>
+            <a:endParaRPr lang="en-GB" dirty="0" smtClean="0"/>
+          </a:p>
+          <a:p>
+            <a:pPr marL="0" indent="0">
+              <a:buNone/>
+            </a:pPr>
+            <a:r>
+              <a:rPr lang="en-GB" dirty="0"/>
+              <a:t>The hedge </a:t>
+            </a:r>
+            <a:r>
+              <a:rPr lang="en-GB" dirty="0" smtClean="0"/>
+              <a:t>funds </a:t>
+            </a:r>
+            <a:r>
+              <a:rPr lang="en-GB" dirty="0"/>
+              <a:t>problem</a:t>
+            </a:r>
+          </a:p>
+          <a:p>
+            <a:pPr lvl="1"/>
+            <a:r>
+              <a:rPr lang="en-GB" dirty="0" smtClean="0"/>
+              <a:t>I have a small trading strategy and want to exploit it as much as possible</a:t>
+            </a:r>
+          </a:p>
+          <a:p>
+            <a:pPr lvl="1"/>
+            <a:endParaRPr lang="en-GB" dirty="0" smtClean="0"/>
+          </a:p>
+        </p:txBody>
+      </p:sp>
+    </p:spTree>
+    <p:extLst>
+      <p:ext uri="{BB962C8B-B14F-4D97-AF65-F5344CB8AC3E}">
+        <p14:creationId xmlns:p14="http://schemas.microsoft.com/office/powerpoint/2010/main" val="3844073618"/>
+      </p:ext>
+    </p:extLst>
+  </p:cSld>
+  <p:clrMapOvr>
+    <a:masterClrMapping/>
+  </p:clrMapOvr>
+  <p:timing>
+    <p:tnLst>
+      <p:par>
+        <p:cTn id="1" dur="indefinite" restart="never" nodeType="tmRoot"/>
+      </p:par>
+    </p:tnLst>
+  </p:timing>
+</p:sld>
+</file>
+
+<file path=ppt/slides/slide28.xml><?xml version="1.0" encoding="utf-8"?>
+<p:sld xmlns:a="http://schemas.openxmlformats.org/drawingml/2006/main" xmlns:r="http://schemas.openxmlformats.org/officeDocument/2006/relationships" xmlns:p="http://schemas.openxmlformats.org/presentationml/2006/main">
+  <p:cSld>
+    <p:spTree>
+      <p:nvGrpSpPr>
+        <p:cNvPr id="1" name=""/>
+        <p:cNvGrpSpPr/>
+        <p:nvPr/>
+      </p:nvGrpSpPr>
+      <p:grpSpPr>
+        <a:xfrm>
+          <a:off x="0" y="0"/>
+          <a:ext cx="0" cy="0"/>
+          <a:chOff x="0" y="0"/>
+          <a:chExt cx="0" cy="0"/>
+        </a:xfrm>
+      </p:grpSpPr>
+      <p:sp>
+        <p:nvSpPr>
+          <p:cNvPr id="2" name="Title 1"/>
+          <p:cNvSpPr>
+            <a:spLocks noGrp="1"/>
+          </p:cNvSpPr>
+          <p:nvPr>
+            <p:ph type="title"/>
+          </p:nvPr>
+        </p:nvSpPr>
+        <p:spPr/>
+        <p:txBody>
           <a:bodyPr/>
           <a:lstStyle/>
           <a:p>
@@ -12121,7 +12984,7 @@
 </p:sld>
 </file>
 
-<file path=ppt/slides/slide28.xml><?xml version="1.0" encoding="utf-8"?>
+<file path=ppt/slides/slide29.xml><?xml version="1.0" encoding="utf-8"?>
 <p:sld xmlns:a="http://schemas.openxmlformats.org/drawingml/2006/main" xmlns:r="http://schemas.openxmlformats.org/officeDocument/2006/relationships" xmlns:p="http://schemas.openxmlformats.org/presentationml/2006/main">
   <p:cSld>
     <p:spTree>
@@ -15629,7 +16492,7 @@
           <a:prstGeom prst="straightConnector1">
             <a:avLst/>
           </a:prstGeom>
-          <a:ln>
+          <a:ln w="19050">
             <a:solidFill>
               <a:srgbClr val="FF0000"/>
             </a:solidFill>
@@ -15887,7 +16750,7 @@
           <a:prstGeom prst="straightConnector1">
             <a:avLst/>
           </a:prstGeom>
-          <a:ln>
+          <a:ln w="19050">
             <a:solidFill>
               <a:srgbClr val="FF0000"/>
             </a:solidFill>
